--- a/topic11/talk-01/Authentication with JWT.pptx
+++ b/topic11/talk-01/Authentication with JWT.pptx
@@ -4767,6 +4767,397 @@
           <a:p>
             <a:fld id="{2F2E01AB-F487-4477-818E-7219F7E83442}" type="slidenum">
               <a:rPr lang="en-IE" smtClean="0"/>
+              <a:t>12</a:t>
+            </a:fld>
+            <a:endParaRPr lang="en-IE"/>
+          </a:p>
+        </p:txBody>
+      </p:sp>
+    </p:spTree>
+    <p:extLst>
+      <p:ext uri="{BB962C8B-B14F-4D97-AF65-F5344CB8AC3E}">
+        <p14:creationId xmlns:p14="http://schemas.microsoft.com/office/powerpoint/2010/main" val="1683129258"/>
+      </p:ext>
+    </p:extLst>
+  </p:cSld>
+  <p:clrMapOvr>
+    <a:masterClrMapping/>
+  </p:clrMapOvr>
+</p:notes>
+</file>
+
+<file path=ppt/notesSlides/notesSlide5.xml><?xml version="1.0" encoding="utf-8"?>
+<p:notes xmlns:a="http://schemas.openxmlformats.org/drawingml/2006/main" xmlns:r="http://schemas.openxmlformats.org/officeDocument/2006/relationships" xmlns:p="http://schemas.openxmlformats.org/presentationml/2006/main">
+  <p:cSld>
+    <p:spTree>
+      <p:nvGrpSpPr>
+        <p:cNvPr id="1" name=""/>
+        <p:cNvGrpSpPr/>
+        <p:nvPr/>
+      </p:nvGrpSpPr>
+      <p:grpSpPr>
+        <a:xfrm>
+          <a:off x="0" y="0"/>
+          <a:ext cx="0" cy="0"/>
+          <a:chOff x="0" y="0"/>
+          <a:chExt cx="0" cy="0"/>
+        </a:xfrm>
+      </p:grpSpPr>
+      <p:sp>
+        <p:nvSpPr>
+          <p:cNvPr id="2" name="Slide Image Placeholder 1"/>
+          <p:cNvSpPr>
+            <a:spLocks noGrp="1" noRot="1" noChangeAspect="1"/>
+          </p:cNvSpPr>
+          <p:nvPr>
+            <p:ph type="sldImg"/>
+          </p:nvPr>
+        </p:nvSpPr>
+        <p:spPr/>
+      </p:sp>
+      <p:sp>
+        <p:nvSpPr>
+          <p:cNvPr id="3" name="Notes Placeholder 2"/>
+          <p:cNvSpPr>
+            <a:spLocks noGrp="1"/>
+          </p:cNvSpPr>
+          <p:nvPr>
+            <p:ph type="body" idx="1"/>
+          </p:nvPr>
+        </p:nvSpPr>
+        <p:spPr/>
+        <p:txBody>
+          <a:bodyPr/>
+          <a:lstStyle/>
+          <a:p>
+            <a:pPr marL="0" marR="0" lvl="0" indent="0" algn="l" defTabSz="914400" rtl="0" eaLnBrk="1" fontAlgn="auto" latinLnBrk="0" hangingPunct="1">
+              <a:lnSpc>
+                <a:spcPct val="100000"/>
+              </a:lnSpc>
+              <a:spcBef>
+                <a:spcPts val="0"/>
+              </a:spcBef>
+              <a:spcAft>
+                <a:spcPts val="0"/>
+              </a:spcAft>
+              <a:buClrTx/>
+              <a:buSzTx/>
+              <a:buFontTx/>
+              <a:buNone/>
+              <a:tabLst/>
+              <a:defRPr/>
+            </a:pPr>
+            <a:r>
+              <a:rPr lang="en-GB" b="0" i="0" dirty="0">
+                <a:solidFill>
+                  <a:srgbClr val="242729"/>
+                </a:solidFill>
+                <a:effectLst/>
+                <a:latin typeface="inherit"/>
+              </a:rPr>
+              <a:t>With "salt round" they actually mean the </a:t>
+            </a:r>
+            <a:r>
+              <a:rPr lang="en-GB" b="0" i="1" dirty="0">
+                <a:solidFill>
+                  <a:srgbClr val="242729"/>
+                </a:solidFill>
+                <a:effectLst/>
+                <a:latin typeface="inherit"/>
+              </a:rPr>
+              <a:t>cost factor</a:t>
+            </a:r>
+            <a:r>
+              <a:rPr lang="en-GB" b="0" i="0" dirty="0">
+                <a:solidFill>
+                  <a:srgbClr val="242729"/>
+                </a:solidFill>
+                <a:effectLst/>
+                <a:latin typeface="inherit"/>
+              </a:rPr>
+              <a:t>. The cost factor controls how much time is needed to calculate a single </a:t>
+            </a:r>
+            <a:r>
+              <a:rPr lang="en-GB" b="0" i="0" dirty="0" err="1">
+                <a:solidFill>
+                  <a:srgbClr val="242729"/>
+                </a:solidFill>
+                <a:effectLst/>
+                <a:latin typeface="inherit"/>
+              </a:rPr>
+              <a:t>BCrypt</a:t>
+            </a:r>
+            <a:r>
+              <a:rPr lang="en-GB" b="0" i="0" dirty="0">
+                <a:solidFill>
+                  <a:srgbClr val="242729"/>
+                </a:solidFill>
+                <a:effectLst/>
+                <a:latin typeface="inherit"/>
+              </a:rPr>
+              <a:t> hash. The higher the cost factor, the more hashing rounds are done. Increasing the cost factor by 1 doubles the necessary time. The more time is necessary, the more difficult is brute-forcing.</a:t>
+            </a:r>
+          </a:p>
+          <a:p>
+            <a:pPr marL="0" marR="0" lvl="0" indent="0" algn="l" defTabSz="914400" rtl="0" eaLnBrk="1" fontAlgn="auto" latinLnBrk="0" hangingPunct="1">
+              <a:lnSpc>
+                <a:spcPct val="100000"/>
+              </a:lnSpc>
+              <a:spcBef>
+                <a:spcPts val="0"/>
+              </a:spcBef>
+              <a:spcAft>
+                <a:spcPts val="0"/>
+              </a:spcAft>
+              <a:buClrTx/>
+              <a:buSzTx/>
+              <a:buFontTx/>
+              <a:buNone/>
+              <a:tabLst/>
+              <a:defRPr/>
+            </a:pPr>
+            <a:r>
+              <a:rPr lang="en-GB" b="0" i="1" dirty="0">
+                <a:solidFill>
+                  <a:srgbClr val="242729"/>
+                </a:solidFill>
+                <a:effectLst/>
+                <a:latin typeface="Arial" panose="020B0604020202020204" pitchFamily="34" charset="0"/>
+              </a:rPr>
+              <a:t>Store</a:t>
+            </a:r>
+            <a:r>
+              <a:rPr lang="en-GB" b="0" i="0" dirty="0">
+                <a:solidFill>
+                  <a:srgbClr val="242729"/>
+                </a:solidFill>
+                <a:effectLst/>
+                <a:latin typeface="Arial" panose="020B0604020202020204" pitchFamily="34" charset="0"/>
+              </a:rPr>
+              <a:t> the cost, </a:t>
+            </a:r>
+            <a:r>
+              <a:rPr lang="en-GB" b="0" i="1" dirty="0">
+                <a:solidFill>
+                  <a:srgbClr val="242729"/>
+                </a:solidFill>
+                <a:effectLst/>
+                <a:latin typeface="Arial" panose="020B0604020202020204" pitchFamily="34" charset="0"/>
+              </a:rPr>
+              <a:t>salt,</a:t>
+            </a:r>
+            <a:r>
+              <a:rPr lang="en-GB" b="0" i="0" dirty="0">
+                <a:solidFill>
+                  <a:srgbClr val="242729"/>
+                </a:solidFill>
+                <a:effectLst/>
+                <a:latin typeface="Arial" panose="020B0604020202020204" pitchFamily="34" charset="0"/>
+              </a:rPr>
+              <a:t> and cipher text. Because these three elements have a known length, it's easy to concatenate them and store them in a single field, yet be able to split them apart later.</a:t>
+            </a:r>
+            <a:endParaRPr lang="en-GB" b="0" i="0" dirty="0">
+              <a:solidFill>
+                <a:srgbClr val="242729"/>
+              </a:solidFill>
+              <a:effectLst/>
+              <a:latin typeface="inherit"/>
+            </a:endParaRPr>
+          </a:p>
+          <a:p>
+            <a:endParaRPr lang="en-IE" dirty="0"/>
+          </a:p>
+        </p:txBody>
+      </p:sp>
+      <p:sp>
+        <p:nvSpPr>
+          <p:cNvPr id="4" name="Slide Number Placeholder 3"/>
+          <p:cNvSpPr>
+            <a:spLocks noGrp="1"/>
+          </p:cNvSpPr>
+          <p:nvPr>
+            <p:ph type="sldNum" sz="quarter" idx="5"/>
+          </p:nvPr>
+        </p:nvSpPr>
+        <p:spPr/>
+        <p:txBody>
+          <a:bodyPr/>
+          <a:lstStyle/>
+          <a:p>
+            <a:fld id="{2F2E01AB-F487-4477-818E-7219F7E83442}" type="slidenum">
+              <a:rPr lang="en-IE" smtClean="0"/>
+              <a:t>17</a:t>
+            </a:fld>
+            <a:endParaRPr lang="en-IE"/>
+          </a:p>
+        </p:txBody>
+      </p:sp>
+    </p:spTree>
+    <p:extLst>
+      <p:ext uri="{BB962C8B-B14F-4D97-AF65-F5344CB8AC3E}">
+        <p14:creationId xmlns:p14="http://schemas.microsoft.com/office/powerpoint/2010/main" val="2465163567"/>
+      </p:ext>
+    </p:extLst>
+  </p:cSld>
+  <p:clrMapOvr>
+    <a:masterClrMapping/>
+  </p:clrMapOvr>
+</p:notes>
+</file>
+
+<file path=ppt/notesSlides/notesSlide6.xml><?xml version="1.0" encoding="utf-8"?>
+<p:notes xmlns:a="http://schemas.openxmlformats.org/drawingml/2006/main" xmlns:r="http://schemas.openxmlformats.org/officeDocument/2006/relationships" xmlns:p="http://schemas.openxmlformats.org/presentationml/2006/main">
+  <p:cSld>
+    <p:spTree>
+      <p:nvGrpSpPr>
+        <p:cNvPr id="1" name=""/>
+        <p:cNvGrpSpPr/>
+        <p:nvPr/>
+      </p:nvGrpSpPr>
+      <p:grpSpPr>
+        <a:xfrm>
+          <a:off x="0" y="0"/>
+          <a:ext cx="0" cy="0"/>
+          <a:chOff x="0" y="0"/>
+          <a:chExt cx="0" cy="0"/>
+        </a:xfrm>
+      </p:grpSpPr>
+      <p:sp>
+        <p:nvSpPr>
+          <p:cNvPr id="2" name="Slide Image Placeholder 1"/>
+          <p:cNvSpPr>
+            <a:spLocks noGrp="1" noRot="1" noChangeAspect="1"/>
+          </p:cNvSpPr>
+          <p:nvPr>
+            <p:ph type="sldImg"/>
+          </p:nvPr>
+        </p:nvSpPr>
+        <p:spPr/>
+      </p:sp>
+      <p:sp>
+        <p:nvSpPr>
+          <p:cNvPr id="3" name="Notes Placeholder 2"/>
+          <p:cNvSpPr>
+            <a:spLocks noGrp="1"/>
+          </p:cNvSpPr>
+          <p:nvPr>
+            <p:ph type="body" idx="1"/>
+          </p:nvPr>
+        </p:nvSpPr>
+        <p:spPr/>
+        <p:txBody>
+          <a:bodyPr/>
+          <a:lstStyle/>
+          <a:p>
+            <a:r>
+              <a:rPr lang="en-GB" dirty="0"/>
+              <a:t>EXAMPLE:</a:t>
+            </a:r>
+            <a:endParaRPr lang="en-IE" dirty="0"/>
+          </a:p>
+        </p:txBody>
+      </p:sp>
+      <p:sp>
+        <p:nvSpPr>
+          <p:cNvPr id="4" name="Slide Number Placeholder 3"/>
+          <p:cNvSpPr>
+            <a:spLocks noGrp="1"/>
+          </p:cNvSpPr>
+          <p:nvPr>
+            <p:ph type="sldNum" sz="quarter" idx="5"/>
+          </p:nvPr>
+        </p:nvSpPr>
+        <p:spPr/>
+        <p:txBody>
+          <a:bodyPr/>
+          <a:lstStyle/>
+          <a:p>
+            <a:fld id="{2F2E01AB-F487-4477-818E-7219F7E83442}" type="slidenum">
+              <a:rPr lang="en-IE" smtClean="0"/>
+              <a:t>21</a:t>
+            </a:fld>
+            <a:endParaRPr lang="en-IE"/>
+          </a:p>
+        </p:txBody>
+      </p:sp>
+    </p:spTree>
+    <p:extLst>
+      <p:ext uri="{BB962C8B-B14F-4D97-AF65-F5344CB8AC3E}">
+        <p14:creationId xmlns:p14="http://schemas.microsoft.com/office/powerpoint/2010/main" val="3427317568"/>
+      </p:ext>
+    </p:extLst>
+  </p:cSld>
+  <p:clrMapOvr>
+    <a:masterClrMapping/>
+  </p:clrMapOvr>
+</p:notes>
+</file>
+
+<file path=ppt/notesSlides/notesSlide7.xml><?xml version="1.0" encoding="utf-8"?>
+<p:notes xmlns:a="http://schemas.openxmlformats.org/drawingml/2006/main" xmlns:r="http://schemas.openxmlformats.org/officeDocument/2006/relationships" xmlns:p="http://schemas.openxmlformats.org/presentationml/2006/main">
+  <p:cSld>
+    <p:spTree>
+      <p:nvGrpSpPr>
+        <p:cNvPr id="1" name=""/>
+        <p:cNvGrpSpPr/>
+        <p:nvPr/>
+      </p:nvGrpSpPr>
+      <p:grpSpPr>
+        <a:xfrm>
+          <a:off x="0" y="0"/>
+          <a:ext cx="0" cy="0"/>
+          <a:chOff x="0" y="0"/>
+          <a:chExt cx="0" cy="0"/>
+        </a:xfrm>
+      </p:grpSpPr>
+      <p:sp>
+        <p:nvSpPr>
+          <p:cNvPr id="2" name="Slide Image Placeholder 1"/>
+          <p:cNvSpPr>
+            <a:spLocks noGrp="1" noRot="1" noChangeAspect="1"/>
+          </p:cNvSpPr>
+          <p:nvPr>
+            <p:ph type="sldImg"/>
+          </p:nvPr>
+        </p:nvSpPr>
+        <p:spPr/>
+      </p:sp>
+      <p:sp>
+        <p:nvSpPr>
+          <p:cNvPr id="3" name="Notes Placeholder 2"/>
+          <p:cNvSpPr>
+            <a:spLocks noGrp="1"/>
+          </p:cNvSpPr>
+          <p:nvPr>
+            <p:ph type="body" idx="1"/>
+          </p:nvPr>
+        </p:nvSpPr>
+        <p:spPr/>
+        <p:txBody>
+          <a:bodyPr/>
+          <a:lstStyle/>
+          <a:p>
+            <a:endParaRPr lang="en-IE" dirty="0"/>
+          </a:p>
+        </p:txBody>
+      </p:sp>
+      <p:sp>
+        <p:nvSpPr>
+          <p:cNvPr id="4" name="Slide Number Placeholder 3"/>
+          <p:cNvSpPr>
+            <a:spLocks noGrp="1"/>
+          </p:cNvSpPr>
+          <p:nvPr>
+            <p:ph type="sldNum" sz="quarter" idx="5"/>
+          </p:nvPr>
+        </p:nvSpPr>
+        <p:spPr/>
+        <p:txBody>
+          <a:bodyPr/>
+          <a:lstStyle/>
+          <a:p>
+            <a:fld id="{2F2E01AB-F487-4477-818E-7219F7E83442}" type="slidenum">
+              <a:rPr lang="en-IE" smtClean="0"/>
               <a:t>32</a:t>
             </a:fld>
             <a:endParaRPr lang="en-IE"/>
@@ -11900,6 +12291,641 @@
       </p:grpSpPr>
       <p:sp>
         <p:nvSpPr>
+          <p:cNvPr id="12" name="TextBox 11">
+            <a:extLst>
+              <a:ext uri="{FF2B5EF4-FFF2-40B4-BE49-F238E27FC236}">
+                <a16:creationId xmlns:a16="http://schemas.microsoft.com/office/drawing/2014/main" id="{FEA2548B-B7A7-4E5A-913C-D3CAD7A86945}"/>
+              </a:ext>
+            </a:extLst>
+          </p:cNvPr>
+          <p:cNvSpPr txBox="1"/>
+          <p:nvPr/>
+        </p:nvSpPr>
+        <p:spPr>
+          <a:xfrm>
+            <a:off x="6888306" y="4129426"/>
+            <a:ext cx="6096000" cy="3077766"/>
+          </a:xfrm>
+          <a:prstGeom prst="rect">
+            <a:avLst/>
+          </a:prstGeom>
+          <a:solidFill>
+            <a:schemeClr val="tx1"/>
+          </a:solidFill>
+        </p:spPr>
+        <p:txBody>
+          <a:bodyPr wrap="square">
+            <a:spAutoFit/>
+          </a:bodyPr>
+          <a:lstStyle/>
+          <a:p>
+            <a:r>
+              <a:rPr lang="en-IE" sz="1600" b="0" dirty="0">
+                <a:solidFill>
+                  <a:srgbClr val="9CDCFE"/>
+                </a:solidFill>
+                <a:effectLst/>
+                <a:latin typeface="Consolas" panose="020B0609020204030204" pitchFamily="49" charset="0"/>
+              </a:rPr>
+              <a:t>    </a:t>
+            </a:r>
+            <a:r>
+              <a:rPr lang="en-IE" sz="1600" b="0" dirty="0" err="1">
+                <a:solidFill>
+                  <a:srgbClr val="9CDCFE"/>
+                </a:solidFill>
+                <a:effectLst/>
+                <a:latin typeface="Consolas" panose="020B0609020204030204" pitchFamily="49" charset="0"/>
+              </a:rPr>
+              <a:t>bcrypt</a:t>
+            </a:r>
+            <a:r>
+              <a:rPr lang="en-IE" sz="1600" b="0" dirty="0" err="1">
+                <a:solidFill>
+                  <a:srgbClr val="D4D4D4"/>
+                </a:solidFill>
+                <a:effectLst/>
+                <a:latin typeface="Consolas" panose="020B0609020204030204" pitchFamily="49" charset="0"/>
+              </a:rPr>
+              <a:t>.</a:t>
+            </a:r>
+            <a:r>
+              <a:rPr lang="en-IE" sz="1600" b="0" dirty="0" err="1">
+                <a:solidFill>
+                  <a:srgbClr val="DCDCAA"/>
+                </a:solidFill>
+                <a:effectLst/>
+                <a:latin typeface="Consolas" panose="020B0609020204030204" pitchFamily="49" charset="0"/>
+              </a:rPr>
+              <a:t>hash</a:t>
+            </a:r>
+            <a:r>
+              <a:rPr lang="en-IE" sz="1600" b="0" dirty="0">
+                <a:solidFill>
+                  <a:srgbClr val="D4D4D4"/>
+                </a:solidFill>
+                <a:effectLst/>
+                <a:latin typeface="Consolas" panose="020B0609020204030204" pitchFamily="49" charset="0"/>
+              </a:rPr>
+              <a:t>(</a:t>
+            </a:r>
+            <a:r>
+              <a:rPr lang="en-IE" sz="1600" b="0" dirty="0" err="1">
+                <a:solidFill>
+                  <a:srgbClr val="4FC1FF"/>
+                </a:solidFill>
+                <a:effectLst/>
+                <a:latin typeface="Consolas" panose="020B0609020204030204" pitchFamily="49" charset="0"/>
+              </a:rPr>
+              <a:t>user</a:t>
+            </a:r>
+            <a:r>
+              <a:rPr lang="en-IE" sz="1600" b="0" dirty="0" err="1">
+                <a:solidFill>
+                  <a:srgbClr val="D4D4D4"/>
+                </a:solidFill>
+                <a:effectLst/>
+                <a:latin typeface="Consolas" panose="020B0609020204030204" pitchFamily="49" charset="0"/>
+              </a:rPr>
+              <a:t>.</a:t>
+            </a:r>
+            <a:r>
+              <a:rPr lang="en-IE" sz="1600" b="0" dirty="0" err="1">
+                <a:solidFill>
+                  <a:srgbClr val="9CDCFE"/>
+                </a:solidFill>
+                <a:effectLst/>
+                <a:latin typeface="Consolas" panose="020B0609020204030204" pitchFamily="49" charset="0"/>
+              </a:rPr>
+              <a:t>password</a:t>
+            </a:r>
+            <a:r>
+              <a:rPr lang="en-IE" sz="1600" b="0" dirty="0">
+                <a:solidFill>
+                  <a:srgbClr val="D4D4D4"/>
+                </a:solidFill>
+                <a:effectLst/>
+                <a:latin typeface="Consolas" panose="020B0609020204030204" pitchFamily="49" charset="0"/>
+              </a:rPr>
+              <a:t>, </a:t>
+            </a:r>
+            <a:r>
+              <a:rPr lang="en-IE" sz="1600" b="0" dirty="0">
+                <a:solidFill>
+                  <a:srgbClr val="B5CEA8"/>
+                </a:solidFill>
+                <a:effectLst/>
+                <a:latin typeface="Consolas" panose="020B0609020204030204" pitchFamily="49" charset="0"/>
+              </a:rPr>
+              <a:t>10</a:t>
+            </a:r>
+            <a:r>
+              <a:rPr lang="en-IE" sz="1600" b="0" dirty="0">
+                <a:solidFill>
+                  <a:srgbClr val="D4D4D4"/>
+                </a:solidFill>
+                <a:effectLst/>
+                <a:latin typeface="Consolas" panose="020B0609020204030204" pitchFamily="49" charset="0"/>
+              </a:rPr>
+              <a:t>, (</a:t>
+            </a:r>
+            <a:r>
+              <a:rPr lang="en-IE" sz="1600" b="0" dirty="0">
+                <a:solidFill>
+                  <a:srgbClr val="9CDCFE"/>
+                </a:solidFill>
+                <a:effectLst/>
+                <a:latin typeface="Consolas" panose="020B0609020204030204" pitchFamily="49" charset="0"/>
+              </a:rPr>
+              <a:t>err</a:t>
+            </a:r>
+            <a:r>
+              <a:rPr lang="en-IE" sz="1600" b="0" dirty="0">
+                <a:solidFill>
+                  <a:srgbClr val="D4D4D4"/>
+                </a:solidFill>
+                <a:effectLst/>
+                <a:latin typeface="Consolas" panose="020B0609020204030204" pitchFamily="49" charset="0"/>
+              </a:rPr>
+              <a:t>, </a:t>
+            </a:r>
+            <a:r>
+              <a:rPr lang="en-IE" sz="1600" b="0" dirty="0">
+                <a:solidFill>
+                  <a:srgbClr val="9CDCFE"/>
+                </a:solidFill>
+                <a:effectLst/>
+                <a:latin typeface="Consolas" panose="020B0609020204030204" pitchFamily="49" charset="0"/>
+              </a:rPr>
+              <a:t>hash</a:t>
+            </a:r>
+            <a:r>
+              <a:rPr lang="en-IE" sz="1600" b="0" dirty="0">
+                <a:solidFill>
+                  <a:srgbClr val="D4D4D4"/>
+                </a:solidFill>
+                <a:effectLst/>
+                <a:latin typeface="Consolas" panose="020B0609020204030204" pitchFamily="49" charset="0"/>
+              </a:rPr>
+              <a:t>) </a:t>
+            </a:r>
+            <a:r>
+              <a:rPr lang="en-IE" sz="1600" b="0" dirty="0">
+                <a:solidFill>
+                  <a:srgbClr val="569CD6"/>
+                </a:solidFill>
+                <a:effectLst/>
+                <a:latin typeface="Consolas" panose="020B0609020204030204" pitchFamily="49" charset="0"/>
+              </a:rPr>
+              <a:t>=&gt;</a:t>
+            </a:r>
+            <a:r>
+              <a:rPr lang="en-IE" sz="1600" b="0" dirty="0">
+                <a:solidFill>
+                  <a:srgbClr val="D4D4D4"/>
+                </a:solidFill>
+                <a:effectLst/>
+                <a:latin typeface="Consolas" panose="020B0609020204030204" pitchFamily="49" charset="0"/>
+              </a:rPr>
+              <a:t> {</a:t>
+            </a:r>
+          </a:p>
+          <a:p>
+            <a:r>
+              <a:rPr lang="en-IE" sz="1600" b="0" dirty="0">
+                <a:solidFill>
+                  <a:srgbClr val="D4D4D4"/>
+                </a:solidFill>
+                <a:effectLst/>
+                <a:latin typeface="Consolas" panose="020B0609020204030204" pitchFamily="49" charset="0"/>
+              </a:rPr>
+              <a:t>      </a:t>
+            </a:r>
+            <a:r>
+              <a:rPr lang="en-IE" sz="1600" b="0" dirty="0">
+                <a:solidFill>
+                  <a:srgbClr val="C586C0"/>
+                </a:solidFill>
+                <a:effectLst/>
+                <a:latin typeface="Consolas" panose="020B0609020204030204" pitchFamily="49" charset="0"/>
+              </a:rPr>
+              <a:t>if</a:t>
+            </a:r>
+            <a:r>
+              <a:rPr lang="en-IE" sz="1600" b="0" dirty="0">
+                <a:solidFill>
+                  <a:srgbClr val="D4D4D4"/>
+                </a:solidFill>
+                <a:effectLst/>
+                <a:latin typeface="Consolas" panose="020B0609020204030204" pitchFamily="49" charset="0"/>
+              </a:rPr>
+              <a:t> (</a:t>
+            </a:r>
+            <a:r>
+              <a:rPr lang="en-IE" sz="1600" b="0" dirty="0">
+                <a:solidFill>
+                  <a:srgbClr val="9CDCFE"/>
+                </a:solidFill>
+                <a:effectLst/>
+                <a:latin typeface="Consolas" panose="020B0609020204030204" pitchFamily="49" charset="0"/>
+              </a:rPr>
+              <a:t>err</a:t>
+            </a:r>
+            <a:r>
+              <a:rPr lang="en-IE" sz="1600" b="0" dirty="0">
+                <a:solidFill>
+                  <a:srgbClr val="D4D4D4"/>
+                </a:solidFill>
+                <a:effectLst/>
+                <a:latin typeface="Consolas" panose="020B0609020204030204" pitchFamily="49" charset="0"/>
+              </a:rPr>
+              <a:t>) {</a:t>
+            </a:r>
+          </a:p>
+          <a:p>
+            <a:r>
+              <a:rPr lang="en-IE" sz="1600" b="0" dirty="0">
+                <a:solidFill>
+                  <a:srgbClr val="D4D4D4"/>
+                </a:solidFill>
+                <a:effectLst/>
+                <a:latin typeface="Consolas" panose="020B0609020204030204" pitchFamily="49" charset="0"/>
+              </a:rPr>
+              <a:t>        </a:t>
+            </a:r>
+            <a:r>
+              <a:rPr lang="en-IE" sz="1600" b="0" dirty="0">
+                <a:solidFill>
+                  <a:srgbClr val="C586C0"/>
+                </a:solidFill>
+                <a:effectLst/>
+                <a:latin typeface="Consolas" panose="020B0609020204030204" pitchFamily="49" charset="0"/>
+              </a:rPr>
+              <a:t>return</a:t>
+            </a:r>
+            <a:r>
+              <a:rPr lang="en-IE" sz="1600" b="0" dirty="0">
+                <a:solidFill>
+                  <a:srgbClr val="D4D4D4"/>
+                </a:solidFill>
+                <a:effectLst/>
+                <a:latin typeface="Consolas" panose="020B0609020204030204" pitchFamily="49" charset="0"/>
+              </a:rPr>
+              <a:t> </a:t>
+            </a:r>
+            <a:r>
+              <a:rPr lang="en-IE" sz="1600" b="0" dirty="0">
+                <a:solidFill>
+                  <a:srgbClr val="DCDCAA"/>
+                </a:solidFill>
+                <a:effectLst/>
+                <a:latin typeface="Consolas" panose="020B0609020204030204" pitchFamily="49" charset="0"/>
+              </a:rPr>
+              <a:t>next</a:t>
+            </a:r>
+            <a:r>
+              <a:rPr lang="en-IE" sz="1600" b="0" dirty="0">
+                <a:solidFill>
+                  <a:srgbClr val="D4D4D4"/>
+                </a:solidFill>
+                <a:effectLst/>
+                <a:latin typeface="Consolas" panose="020B0609020204030204" pitchFamily="49" charset="0"/>
+              </a:rPr>
+              <a:t>(</a:t>
+            </a:r>
+            <a:r>
+              <a:rPr lang="en-IE" sz="1600" b="0" dirty="0">
+                <a:solidFill>
+                  <a:srgbClr val="9CDCFE"/>
+                </a:solidFill>
+                <a:effectLst/>
+                <a:latin typeface="Consolas" panose="020B0609020204030204" pitchFamily="49" charset="0"/>
+              </a:rPr>
+              <a:t>err</a:t>
+            </a:r>
+            <a:r>
+              <a:rPr lang="en-IE" sz="1600" b="0" dirty="0">
+                <a:solidFill>
+                  <a:srgbClr val="D4D4D4"/>
+                </a:solidFill>
+                <a:effectLst/>
+                <a:latin typeface="Consolas" panose="020B0609020204030204" pitchFamily="49" charset="0"/>
+              </a:rPr>
+              <a:t>);</a:t>
+            </a:r>
+          </a:p>
+          <a:p>
+            <a:r>
+              <a:rPr lang="en-IE" sz="1600" b="0" dirty="0">
+                <a:solidFill>
+                  <a:srgbClr val="D4D4D4"/>
+                </a:solidFill>
+                <a:effectLst/>
+                <a:latin typeface="Consolas" panose="020B0609020204030204" pitchFamily="49" charset="0"/>
+              </a:rPr>
+              <a:t>      }</a:t>
+            </a:r>
+          </a:p>
+          <a:p>
+            <a:r>
+              <a:rPr lang="en-IE" sz="1600" b="0" dirty="0">
+                <a:solidFill>
+                  <a:srgbClr val="D4D4D4"/>
+                </a:solidFill>
+                <a:effectLst/>
+                <a:latin typeface="Consolas" panose="020B0609020204030204" pitchFamily="49" charset="0"/>
+              </a:rPr>
+              <a:t>      </a:t>
+            </a:r>
+            <a:r>
+              <a:rPr lang="en-IE" sz="1600" b="0" dirty="0">
+                <a:solidFill>
+                  <a:srgbClr val="9CDCFE"/>
+                </a:solidFill>
+                <a:effectLst/>
+                <a:latin typeface="Consolas" panose="020B0609020204030204" pitchFamily="49" charset="0"/>
+              </a:rPr>
+              <a:t>console</a:t>
+            </a:r>
+            <a:r>
+              <a:rPr lang="en-IE" sz="1600" b="0" dirty="0">
+                <a:solidFill>
+                  <a:srgbClr val="D4D4D4"/>
+                </a:solidFill>
+                <a:effectLst/>
+                <a:latin typeface="Consolas" panose="020B0609020204030204" pitchFamily="49" charset="0"/>
+              </a:rPr>
+              <a:t>.</a:t>
+            </a:r>
+            <a:r>
+              <a:rPr lang="en-IE" sz="1600" b="0" dirty="0">
+                <a:solidFill>
+                  <a:srgbClr val="DCDCAA"/>
+                </a:solidFill>
+                <a:effectLst/>
+                <a:latin typeface="Consolas" panose="020B0609020204030204" pitchFamily="49" charset="0"/>
+              </a:rPr>
+              <a:t>log</a:t>
+            </a:r>
+            <a:r>
+              <a:rPr lang="en-IE" sz="1600" b="0" dirty="0">
+                <a:solidFill>
+                  <a:srgbClr val="D4D4D4"/>
+                </a:solidFill>
+                <a:effectLst/>
+                <a:latin typeface="Consolas" panose="020B0609020204030204" pitchFamily="49" charset="0"/>
+              </a:rPr>
+              <a:t>(</a:t>
+            </a:r>
+            <a:r>
+              <a:rPr lang="en-IE" sz="1600" b="0" dirty="0">
+                <a:solidFill>
+                  <a:srgbClr val="9CDCFE"/>
+                </a:solidFill>
+                <a:effectLst/>
+                <a:latin typeface="Consolas" panose="020B0609020204030204" pitchFamily="49" charset="0"/>
+              </a:rPr>
+              <a:t>hash</a:t>
+            </a:r>
+            <a:r>
+              <a:rPr lang="en-IE" sz="1600" b="0" dirty="0">
+                <a:solidFill>
+                  <a:srgbClr val="D4D4D4"/>
+                </a:solidFill>
+                <a:effectLst/>
+                <a:latin typeface="Consolas" panose="020B0609020204030204" pitchFamily="49" charset="0"/>
+              </a:rPr>
+              <a:t>);</a:t>
+            </a:r>
+          </a:p>
+          <a:p>
+            <a:r>
+              <a:rPr lang="en-IE" sz="1600" b="0" dirty="0">
+                <a:solidFill>
+                  <a:srgbClr val="9CDCFE"/>
+                </a:solidFill>
+                <a:effectLst/>
+                <a:latin typeface="Consolas" panose="020B0609020204030204" pitchFamily="49" charset="0"/>
+              </a:rPr>
+              <a:t>      </a:t>
+            </a:r>
+            <a:r>
+              <a:rPr lang="en-IE" sz="1600" b="0" dirty="0" err="1">
+                <a:solidFill>
+                  <a:srgbClr val="4FC1FF"/>
+                </a:solidFill>
+                <a:effectLst/>
+                <a:latin typeface="Consolas" panose="020B0609020204030204" pitchFamily="49" charset="0"/>
+              </a:rPr>
+              <a:t>user</a:t>
+            </a:r>
+            <a:r>
+              <a:rPr lang="en-IE" sz="1600" b="0" dirty="0" err="1">
+                <a:solidFill>
+                  <a:srgbClr val="D4D4D4"/>
+                </a:solidFill>
+                <a:effectLst/>
+                <a:latin typeface="Consolas" panose="020B0609020204030204" pitchFamily="49" charset="0"/>
+              </a:rPr>
+              <a:t>.</a:t>
+            </a:r>
+            <a:r>
+              <a:rPr lang="en-IE" sz="1600" b="0" dirty="0" err="1">
+                <a:solidFill>
+                  <a:srgbClr val="9CDCFE"/>
+                </a:solidFill>
+                <a:effectLst/>
+                <a:latin typeface="Consolas" panose="020B0609020204030204" pitchFamily="49" charset="0"/>
+              </a:rPr>
+              <a:t>password</a:t>
+            </a:r>
+            <a:r>
+              <a:rPr lang="en-IE" sz="1600" b="0" dirty="0">
+                <a:solidFill>
+                  <a:srgbClr val="D4D4D4"/>
+                </a:solidFill>
+                <a:effectLst/>
+                <a:latin typeface="Consolas" panose="020B0609020204030204" pitchFamily="49" charset="0"/>
+              </a:rPr>
+              <a:t> = </a:t>
+            </a:r>
+            <a:r>
+              <a:rPr lang="en-IE" sz="1600" b="0" dirty="0">
+                <a:solidFill>
+                  <a:srgbClr val="9CDCFE"/>
+                </a:solidFill>
+                <a:effectLst/>
+                <a:latin typeface="Consolas" panose="020B0609020204030204" pitchFamily="49" charset="0"/>
+              </a:rPr>
+              <a:t>hash</a:t>
+            </a:r>
+            <a:r>
+              <a:rPr lang="en-IE" sz="1600" b="0" dirty="0">
+                <a:solidFill>
+                  <a:srgbClr val="D4D4D4"/>
+                </a:solidFill>
+                <a:effectLst/>
+                <a:latin typeface="Consolas" panose="020B0609020204030204" pitchFamily="49" charset="0"/>
+              </a:rPr>
+              <a:t>;</a:t>
+            </a:r>
+          </a:p>
+          <a:p>
+            <a:r>
+              <a:rPr lang="en-IE" sz="1600" b="0" dirty="0">
+                <a:solidFill>
+                  <a:srgbClr val="D4D4D4"/>
+                </a:solidFill>
+                <a:effectLst/>
+                <a:latin typeface="Consolas" panose="020B0609020204030204" pitchFamily="49" charset="0"/>
+              </a:rPr>
+              <a:t>      </a:t>
+            </a:r>
+            <a:r>
+              <a:rPr lang="en-IE" sz="1600" b="0" dirty="0">
+                <a:solidFill>
+                  <a:srgbClr val="DCDCAA"/>
+                </a:solidFill>
+                <a:effectLst/>
+                <a:latin typeface="Consolas" panose="020B0609020204030204" pitchFamily="49" charset="0"/>
+              </a:rPr>
+              <a:t>next</a:t>
+            </a:r>
+            <a:r>
+              <a:rPr lang="en-IE" sz="1600" b="0" dirty="0">
+                <a:solidFill>
+                  <a:srgbClr val="D4D4D4"/>
+                </a:solidFill>
+                <a:effectLst/>
+                <a:latin typeface="Consolas" panose="020B0609020204030204" pitchFamily="49" charset="0"/>
+              </a:rPr>
+              <a:t>();</a:t>
+            </a:r>
+          </a:p>
+          <a:p>
+            <a:r>
+              <a:rPr lang="en-IE" sz="1600" b="0" dirty="0">
+                <a:solidFill>
+                  <a:srgbClr val="D4D4D4"/>
+                </a:solidFill>
+                <a:effectLst/>
+                <a:latin typeface="Consolas" panose="020B0609020204030204" pitchFamily="49" charset="0"/>
+              </a:rPr>
+              <a:t>    });</a:t>
+            </a:r>
+          </a:p>
+          <a:p>
+            <a:r>
+              <a:rPr lang="en-IE" sz="1600" b="0" dirty="0">
+                <a:solidFill>
+                  <a:srgbClr val="D4D4D4"/>
+                </a:solidFill>
+                <a:effectLst/>
+                <a:latin typeface="Consolas" panose="020B0609020204030204" pitchFamily="49" charset="0"/>
+              </a:rPr>
+              <a:t>  }</a:t>
+            </a:r>
+          </a:p>
+          <a:p>
+            <a:r>
+              <a:rPr lang="en-IE" sz="1600" b="0" dirty="0">
+                <a:solidFill>
+                  <a:srgbClr val="D4D4D4"/>
+                </a:solidFill>
+                <a:effectLst/>
+                <a:latin typeface="Consolas" panose="020B0609020204030204" pitchFamily="49" charset="0"/>
+              </a:rPr>
+              <a:t>  </a:t>
+            </a:r>
+            <a:r>
+              <a:rPr lang="en-IE" sz="1600" b="0" dirty="0">
+                <a:solidFill>
+                  <a:srgbClr val="C586C0"/>
+                </a:solidFill>
+                <a:effectLst/>
+                <a:latin typeface="Consolas" panose="020B0609020204030204" pitchFamily="49" charset="0"/>
+              </a:rPr>
+              <a:t>else</a:t>
+            </a:r>
+            <a:r>
+              <a:rPr lang="en-IE" sz="1600" b="0" dirty="0">
+                <a:solidFill>
+                  <a:srgbClr val="D4D4D4"/>
+                </a:solidFill>
+                <a:effectLst/>
+                <a:latin typeface="Consolas" panose="020B0609020204030204" pitchFamily="49" charset="0"/>
+              </a:rPr>
+              <a:t> {</a:t>
+            </a:r>
+          </a:p>
+          <a:p>
+            <a:r>
+              <a:rPr lang="en-IE" sz="1600" b="0" dirty="0">
+                <a:solidFill>
+                  <a:srgbClr val="D4D4D4"/>
+                </a:solidFill>
+                <a:effectLst/>
+                <a:latin typeface="Consolas" panose="020B0609020204030204" pitchFamily="49" charset="0"/>
+              </a:rPr>
+              <a:t>    </a:t>
+            </a:r>
+            <a:r>
+              <a:rPr lang="en-IE" sz="1600" b="0" dirty="0">
+                <a:solidFill>
+                  <a:srgbClr val="C586C0"/>
+                </a:solidFill>
+                <a:effectLst/>
+                <a:latin typeface="Consolas" panose="020B0609020204030204" pitchFamily="49" charset="0"/>
+              </a:rPr>
+              <a:t>return</a:t>
+            </a:r>
+            <a:r>
+              <a:rPr lang="en-IE" sz="1600" b="0" dirty="0">
+                <a:solidFill>
+                  <a:srgbClr val="D4D4D4"/>
+                </a:solidFill>
+                <a:effectLst/>
+                <a:latin typeface="Consolas" panose="020B0609020204030204" pitchFamily="49" charset="0"/>
+              </a:rPr>
+              <a:t> </a:t>
+            </a:r>
+            <a:r>
+              <a:rPr lang="en-IE" sz="1600" b="0" dirty="0">
+                <a:solidFill>
+                  <a:srgbClr val="DCDCAA"/>
+                </a:solidFill>
+                <a:effectLst/>
+                <a:latin typeface="Consolas" panose="020B0609020204030204" pitchFamily="49" charset="0"/>
+              </a:rPr>
+              <a:t>next</a:t>
+            </a:r>
+            <a:r>
+              <a:rPr lang="en-IE" sz="1600" b="0" dirty="0">
+                <a:solidFill>
+                  <a:srgbClr val="D4D4D4"/>
+                </a:solidFill>
+                <a:effectLst/>
+                <a:latin typeface="Consolas" panose="020B0609020204030204" pitchFamily="49" charset="0"/>
+              </a:rPr>
+              <a:t>();</a:t>
+            </a:r>
+          </a:p>
+          <a:p>
+            <a:r>
+              <a:rPr lang="en-IE" sz="1600" b="0" dirty="0">
+                <a:solidFill>
+                  <a:srgbClr val="D4D4D4"/>
+                </a:solidFill>
+                <a:effectLst/>
+                <a:latin typeface="Consolas" panose="020B0609020204030204" pitchFamily="49" charset="0"/>
+              </a:rPr>
+              <a:t>  }</a:t>
+            </a:r>
+          </a:p>
+        </p:txBody>
+      </p:sp>
+      <p:sp>
+        <p:nvSpPr>
           <p:cNvPr id="2" name="Title 1">
             <a:extLst>
               <a:ext uri="{FF2B5EF4-FFF2-40B4-BE49-F238E27FC236}">
@@ -11948,7 +12974,7 @@
         </p:blipFill>
         <p:spPr>
           <a:xfrm>
-            <a:off x="637309" y="1307043"/>
+            <a:off x="505691" y="1449703"/>
             <a:ext cx="8638309" cy="2741869"/>
           </a:xfrm>
           <a:prstGeom prst="rect">
@@ -12016,36 +13042,6 @@
           </a:p>
         </p:txBody>
       </p:sp>
-      <p:pic>
-        <p:nvPicPr>
-          <p:cNvPr id="9" name="Picture 8">
-            <a:extLst>
-              <a:ext uri="{FF2B5EF4-FFF2-40B4-BE49-F238E27FC236}">
-                <a16:creationId xmlns:a16="http://schemas.microsoft.com/office/drawing/2014/main" id="{1C67166C-392C-4B80-85A5-A87281F70C09}"/>
-              </a:ext>
-            </a:extLst>
-          </p:cNvPr>
-          <p:cNvPicPr>
-            <a:picLocks noChangeAspect="1"/>
-          </p:cNvPicPr>
-          <p:nvPr/>
-        </p:nvPicPr>
-        <p:blipFill>
-          <a:blip r:embed="rId3"/>
-          <a:stretch>
-            <a:fillRect/>
-          </a:stretch>
-        </p:blipFill>
-        <p:spPr>
-          <a:xfrm>
-            <a:off x="6812107" y="4145585"/>
-            <a:ext cx="5124961" cy="2546159"/>
-          </a:xfrm>
-          <a:prstGeom prst="rect">
-            <a:avLst/>
-          </a:prstGeom>
-        </p:spPr>
-      </p:pic>
       <p:sp>
         <p:nvSpPr>
           <p:cNvPr id="10" name="Arrow: Bent 9">
@@ -12172,6 +13168,9 @@
                     <p:cTn id="3" fill="hold">
                       <p:stCondLst>
                         <p:cond delay="indefinite"/>
+                        <p:cond evt="onBegin" delay="0">
+                          <p:tn val="2"/>
+                        </p:cond>
                       </p:stCondLst>
                       <p:childTnLst>
                         <p:par>
@@ -12181,7 +13180,7 @@
                             </p:stCondLst>
                             <p:childTnLst>
                               <p:par>
-                                <p:cTn id="5" presetID="10" presetClass="entr" presetSubtype="0" fill="hold" nodeType="clickEffect">
+                                <p:cTn id="5" presetID="10" presetClass="entr" presetSubtype="0" fill="hold" grpId="0" nodeType="withEffect">
                                   <p:stCondLst>
                                     <p:cond delay="0"/>
                                   </p:stCondLst>
@@ -12189,41 +13188,6 @@
                                     <p:set>
                                       <p:cBhvr>
                                         <p:cTn id="6" dur="1" fill="hold">
-                                          <p:stCondLst>
-                                            <p:cond delay="0"/>
-                                          </p:stCondLst>
-                                        </p:cTn>
-                                        <p:tgtEl>
-                                          <p:spTgt spid="9"/>
-                                        </p:tgtEl>
-                                        <p:attrNameLst>
-                                          <p:attrName>style.visibility</p:attrName>
-                                        </p:attrNameLst>
-                                      </p:cBhvr>
-                                      <p:to>
-                                        <p:strVal val="visible"/>
-                                      </p:to>
-                                    </p:set>
-                                    <p:animEffect transition="in" filter="fade">
-                                      <p:cBhvr>
-                                        <p:cTn id="7" dur="500"/>
-                                        <p:tgtEl>
-                                          <p:spTgt spid="9"/>
-                                        </p:tgtEl>
-                                      </p:cBhvr>
-                                    </p:animEffect>
-                                  </p:childTnLst>
-                                </p:cTn>
-                              </p:par>
-                              <p:par>
-                                <p:cTn id="8" presetID="10" presetClass="entr" presetSubtype="0" fill="hold" grpId="0" nodeType="withEffect">
-                                  <p:stCondLst>
-                                    <p:cond delay="0"/>
-                                  </p:stCondLst>
-                                  <p:childTnLst>
-                                    <p:set>
-                                      <p:cBhvr>
-                                        <p:cTn id="9" dur="1" fill="hold">
                                           <p:stCondLst>
                                             <p:cond delay="0"/>
                                           </p:stCondLst>
@@ -12241,7 +13205,7 @@
                                     </p:set>
                                     <p:animEffect transition="in" filter="fade">
                                       <p:cBhvr>
-                                        <p:cTn id="10" dur="500"/>
+                                        <p:cTn id="7" dur="500"/>
                                         <p:tgtEl>
                                           <p:spTgt spid="10"/>
                                         </p:tgtEl>
@@ -12257,26 +13221,26 @@
                     </p:cTn>
                   </p:par>
                   <p:par>
-                    <p:cTn id="11" fill="hold">
+                    <p:cTn id="8" fill="hold">
                       <p:stCondLst>
                         <p:cond delay="indefinite"/>
                       </p:stCondLst>
                       <p:childTnLst>
                         <p:par>
-                          <p:cTn id="12" fill="hold">
+                          <p:cTn id="9" fill="hold">
                             <p:stCondLst>
                               <p:cond delay="0"/>
                             </p:stCondLst>
                             <p:childTnLst>
                               <p:par>
-                                <p:cTn id="13" presetID="10" presetClass="entr" presetSubtype="0" fill="hold" grpId="0" nodeType="clickEffect">
+                                <p:cTn id="10" presetID="10" presetClass="entr" presetSubtype="0" fill="hold" grpId="0" nodeType="clickEffect">
                                   <p:stCondLst>
                                     <p:cond delay="0"/>
                                   </p:stCondLst>
                                   <p:childTnLst>
                                     <p:set>
                                       <p:cBhvr>
-                                        <p:cTn id="14" dur="1" fill="hold">
+                                        <p:cTn id="11" dur="1" fill="hold">
                                           <p:stCondLst>
                                             <p:cond delay="0"/>
                                           </p:stCondLst>
@@ -12294,7 +13258,7 @@
                                     </p:set>
                                     <p:animEffect transition="in" filter="fade">
                                       <p:cBhvr>
-                                        <p:cTn id="15" dur="500"/>
+                                        <p:cTn id="12" dur="500"/>
                                         <p:tgtEl>
                                           <p:spTgt spid="11"/>
                                         </p:tgtEl>
@@ -13176,7 +14140,7 @@
         <p:spPr>
           <a:xfrm>
             <a:off x="5305493" y="700714"/>
-            <a:ext cx="6124506" cy="5078313"/>
+            <a:ext cx="6124506" cy="4031873"/>
           </a:xfrm>
           <a:prstGeom prst="rect">
             <a:avLst/>
@@ -13192,7 +14156,7 @@
           <a:lstStyle/>
           <a:p>
             <a:r>
-              <a:rPr lang="en-IE" b="0" dirty="0" err="1">
+              <a:rPr lang="en-IE" sz="1600" b="0" dirty="0" err="1">
                 <a:solidFill>
                   <a:srgbClr val="4FC1FF"/>
                 </a:solidFill>
@@ -13202,7 +14166,7 @@
               <a:t>UserSchema</a:t>
             </a:r>
             <a:r>
-              <a:rPr lang="en-IE" b="0" dirty="0" err="1">
+              <a:rPr lang="en-IE" sz="1600" b="0" dirty="0" err="1">
                 <a:solidFill>
                   <a:srgbClr val="D4D4D4"/>
                 </a:solidFill>
@@ -13212,7 +14176,7 @@
               <a:t>.</a:t>
             </a:r>
             <a:r>
-              <a:rPr lang="en-IE" b="0" dirty="0" err="1">
+              <a:rPr lang="en-IE" sz="1600" b="0" dirty="0" err="1">
                 <a:solidFill>
                   <a:srgbClr val="DCDCAA"/>
                 </a:solidFill>
@@ -13222,7 +14186,7 @@
               <a:t>pre</a:t>
             </a:r>
             <a:r>
-              <a:rPr lang="en-IE" b="0" dirty="0">
+              <a:rPr lang="en-IE" sz="1600" b="0" dirty="0">
                 <a:solidFill>
                   <a:srgbClr val="D4D4D4"/>
                 </a:solidFill>
@@ -13232,7 +14196,7 @@
               <a:t>(</a:t>
             </a:r>
             <a:r>
-              <a:rPr lang="en-IE" b="0" dirty="0">
+              <a:rPr lang="en-IE" sz="1600" b="0" dirty="0">
                 <a:solidFill>
                   <a:srgbClr val="CE9178"/>
                 </a:solidFill>
@@ -13242,7 +14206,7 @@
               <a:t>'save'</a:t>
             </a:r>
             <a:r>
-              <a:rPr lang="en-IE" b="0" dirty="0">
+              <a:rPr lang="en-IE" sz="1600" b="0" dirty="0">
                 <a:solidFill>
                   <a:srgbClr val="D4D4D4"/>
                 </a:solidFill>
@@ -13252,7 +14216,7 @@
               <a:t>, </a:t>
             </a:r>
             <a:r>
-              <a:rPr lang="en-IE" b="0" dirty="0">
+              <a:rPr lang="en-IE" sz="1600" b="0" dirty="0">
                 <a:solidFill>
                   <a:srgbClr val="569CD6"/>
                 </a:solidFill>
@@ -13262,7 +14226,7 @@
               <a:t>function</a:t>
             </a:r>
             <a:r>
-              <a:rPr lang="en-IE" b="0" dirty="0">
+              <a:rPr lang="en-IE" sz="1600" b="0" dirty="0">
                 <a:solidFill>
                   <a:srgbClr val="D4D4D4"/>
                 </a:solidFill>
@@ -13272,7 +14236,7 @@
               <a:t> (</a:t>
             </a:r>
             <a:r>
-              <a:rPr lang="en-IE" b="0" dirty="0">
+              <a:rPr lang="en-IE" sz="1600" b="0" dirty="0">
                 <a:solidFill>
                   <a:srgbClr val="DCDCAA"/>
                 </a:solidFill>
@@ -13282,7 +14246,7 @@
               <a:t>next</a:t>
             </a:r>
             <a:r>
-              <a:rPr lang="en-IE" b="0" dirty="0">
+              <a:rPr lang="en-IE" sz="1600" b="0" dirty="0">
                 <a:solidFill>
                   <a:srgbClr val="D4D4D4"/>
                 </a:solidFill>
@@ -13294,7 +14258,7 @@
           </a:p>
           <a:p>
             <a:r>
-              <a:rPr lang="en-IE" b="0" dirty="0">
+              <a:rPr lang="en-IE" sz="1600" b="0" dirty="0">
                 <a:solidFill>
                   <a:srgbClr val="D4D4D4"/>
                 </a:solidFill>
@@ -13304,7 +14268,7 @@
               <a:t>  </a:t>
             </a:r>
             <a:r>
-              <a:rPr lang="en-IE" b="0" dirty="0" err="1">
+              <a:rPr lang="en-IE" sz="1600" b="0" dirty="0" err="1">
                 <a:solidFill>
                   <a:srgbClr val="569CD6"/>
                 </a:solidFill>
@@ -13314,7 +14278,7 @@
               <a:t>const</a:t>
             </a:r>
             <a:r>
-              <a:rPr lang="en-IE" b="0" dirty="0">
+              <a:rPr lang="en-IE" sz="1600" b="0" dirty="0">
                 <a:solidFill>
                   <a:srgbClr val="D4D4D4"/>
                 </a:solidFill>
@@ -13324,7 +14288,7 @@
               <a:t> </a:t>
             </a:r>
             <a:r>
-              <a:rPr lang="en-IE" b="0" dirty="0">
+              <a:rPr lang="en-IE" sz="1600" b="0" dirty="0">
                 <a:solidFill>
                   <a:srgbClr val="4FC1FF"/>
                 </a:solidFill>
@@ -13334,7 +14298,7 @@
               <a:t>user</a:t>
             </a:r>
             <a:r>
-              <a:rPr lang="en-IE" b="0" dirty="0">
+              <a:rPr lang="en-IE" sz="1600" b="0" dirty="0">
                 <a:solidFill>
                   <a:srgbClr val="D4D4D4"/>
                 </a:solidFill>
@@ -13344,7 +14308,7 @@
               <a:t> = </a:t>
             </a:r>
             <a:r>
-              <a:rPr lang="en-IE" b="0" dirty="0">
+              <a:rPr lang="en-IE" sz="1600" b="0" dirty="0">
                 <a:solidFill>
                   <a:srgbClr val="569CD6"/>
                 </a:solidFill>
@@ -13354,7 +14318,7 @@
               <a:t>this</a:t>
             </a:r>
             <a:r>
-              <a:rPr lang="en-IE" b="0" dirty="0">
+              <a:rPr lang="en-IE" sz="1600" b="0" dirty="0">
                 <a:solidFill>
                   <a:srgbClr val="D4D4D4"/>
                 </a:solidFill>
@@ -13366,7 +14330,7 @@
           </a:p>
           <a:p>
             <a:r>
-              <a:rPr lang="en-IE" b="0" dirty="0">
+              <a:rPr lang="en-IE" sz="1600" b="0" dirty="0">
                 <a:solidFill>
                   <a:srgbClr val="D4D4D4"/>
                 </a:solidFill>
@@ -13376,7 +14340,7 @@
               <a:t>  </a:t>
             </a:r>
             <a:r>
-              <a:rPr lang="en-IE" b="0" dirty="0">
+              <a:rPr lang="en-IE" sz="1600" b="0" dirty="0">
                 <a:solidFill>
                   <a:srgbClr val="C586C0"/>
                 </a:solidFill>
@@ -13386,7 +14350,7 @@
               <a:t>if</a:t>
             </a:r>
             <a:r>
-              <a:rPr lang="en-IE" b="0" dirty="0">
+              <a:rPr lang="en-IE" sz="1600" b="0" dirty="0">
                 <a:solidFill>
                   <a:srgbClr val="D4D4D4"/>
                 </a:solidFill>
@@ -13396,7 +14360,7 @@
               <a:t> (</a:t>
             </a:r>
             <a:r>
-              <a:rPr lang="en-IE" b="0" dirty="0" err="1">
+              <a:rPr lang="en-IE" sz="1600" b="0" dirty="0" err="1">
                 <a:solidFill>
                   <a:srgbClr val="569CD6"/>
                 </a:solidFill>
@@ -13406,7 +14370,7 @@
               <a:t>this</a:t>
             </a:r>
             <a:r>
-              <a:rPr lang="en-IE" b="0" dirty="0" err="1">
+              <a:rPr lang="en-IE" sz="1600" b="0" dirty="0" err="1">
                 <a:solidFill>
                   <a:srgbClr val="D4D4D4"/>
                 </a:solidFill>
@@ -13416,7 +14380,7 @@
               <a:t>.</a:t>
             </a:r>
             <a:r>
-              <a:rPr lang="en-IE" b="0" dirty="0" err="1">
+              <a:rPr lang="en-IE" sz="1600" b="0" dirty="0" err="1">
                 <a:solidFill>
                   <a:srgbClr val="DCDCAA"/>
                 </a:solidFill>
@@ -13426,7 +14390,7 @@
               <a:t>isModified</a:t>
             </a:r>
             <a:r>
-              <a:rPr lang="en-IE" b="0" dirty="0">
+              <a:rPr lang="en-IE" sz="1600" b="0" dirty="0">
                 <a:solidFill>
                   <a:srgbClr val="D4D4D4"/>
                 </a:solidFill>
@@ -13436,7 +14400,7 @@
               <a:t>(</a:t>
             </a:r>
             <a:r>
-              <a:rPr lang="en-IE" b="0" dirty="0">
+              <a:rPr lang="en-IE" sz="1600" b="0" dirty="0">
                 <a:solidFill>
                   <a:srgbClr val="CE9178"/>
                 </a:solidFill>
@@ -13446,7 +14410,7 @@
               <a:t>'password'</a:t>
             </a:r>
             <a:r>
-              <a:rPr lang="en-IE" b="0" dirty="0">
+              <a:rPr lang="en-IE" sz="1600" b="0" dirty="0">
                 <a:solidFill>
                   <a:srgbClr val="D4D4D4"/>
                 </a:solidFill>
@@ -13456,7 +14420,7 @@
               <a:t>) || </a:t>
             </a:r>
             <a:r>
-              <a:rPr lang="en-IE" b="0" dirty="0" err="1">
+              <a:rPr lang="en-IE" sz="1600" b="0" dirty="0" err="1">
                 <a:solidFill>
                   <a:srgbClr val="569CD6"/>
                 </a:solidFill>
@@ -13466,7 +14430,7 @@
               <a:t>this</a:t>
             </a:r>
             <a:r>
-              <a:rPr lang="en-IE" b="0" dirty="0" err="1">
+              <a:rPr lang="en-IE" sz="1600" b="0" dirty="0" err="1">
                 <a:solidFill>
                   <a:srgbClr val="D4D4D4"/>
                 </a:solidFill>
@@ -13476,7 +14440,7 @@
               <a:t>.</a:t>
             </a:r>
             <a:r>
-              <a:rPr lang="en-IE" b="0" dirty="0" err="1">
+              <a:rPr lang="en-IE" sz="1600" b="0" dirty="0" err="1">
                 <a:solidFill>
                   <a:srgbClr val="9CDCFE"/>
                 </a:solidFill>
@@ -13486,7 +14450,7 @@
               <a:t>isNew</a:t>
             </a:r>
             <a:r>
-              <a:rPr lang="en-IE" b="0" dirty="0">
+              <a:rPr lang="en-IE" sz="1600" b="0" dirty="0">
                 <a:solidFill>
                   <a:srgbClr val="D4D4D4"/>
                 </a:solidFill>
@@ -13498,7 +14462,7 @@
           </a:p>
           <a:p>
             <a:r>
-              <a:rPr lang="en-IE" b="0" dirty="0">
+              <a:rPr lang="en-IE" sz="1600" b="0" dirty="0">
                 <a:solidFill>
                   <a:srgbClr val="9CDCFE"/>
                 </a:solidFill>
@@ -13508,7 +14472,7 @@
               <a:t>    </a:t>
             </a:r>
             <a:r>
-              <a:rPr lang="en-IE" b="0" dirty="0" err="1">
+              <a:rPr lang="en-IE" sz="1600" b="0" dirty="0" err="1">
                 <a:solidFill>
                   <a:srgbClr val="9CDCFE"/>
                 </a:solidFill>
@@ -13518,7 +14482,7 @@
               <a:t>bcrypt</a:t>
             </a:r>
             <a:r>
-              <a:rPr lang="en-IE" b="0" dirty="0" err="1">
+              <a:rPr lang="en-IE" sz="1600" b="0" dirty="0" err="1">
                 <a:solidFill>
                   <a:srgbClr val="D4D4D4"/>
                 </a:solidFill>
@@ -13528,7 +14492,7 @@
               <a:t>.</a:t>
             </a:r>
             <a:r>
-              <a:rPr lang="en-IE" b="0" dirty="0" err="1">
+              <a:rPr lang="en-IE" sz="1600" b="0" dirty="0" err="1">
                 <a:solidFill>
                   <a:srgbClr val="DCDCAA"/>
                 </a:solidFill>
@@ -13538,7 +14502,7 @@
               <a:t>hash</a:t>
             </a:r>
             <a:r>
-              <a:rPr lang="en-IE" b="0" dirty="0">
+              <a:rPr lang="en-IE" sz="1600" b="0" dirty="0">
                 <a:solidFill>
                   <a:srgbClr val="D4D4D4"/>
                 </a:solidFill>
@@ -13548,7 +14512,7 @@
               <a:t>(</a:t>
             </a:r>
             <a:r>
-              <a:rPr lang="en-IE" b="0" dirty="0" err="1">
+              <a:rPr lang="en-IE" sz="1600" b="0" dirty="0" err="1">
                 <a:solidFill>
                   <a:srgbClr val="4FC1FF"/>
                 </a:solidFill>
@@ -13558,7 +14522,7 @@
               <a:t>user</a:t>
             </a:r>
             <a:r>
-              <a:rPr lang="en-IE" b="0" dirty="0" err="1">
+              <a:rPr lang="en-IE" sz="1600" b="0" dirty="0" err="1">
                 <a:solidFill>
                   <a:srgbClr val="D4D4D4"/>
                 </a:solidFill>
@@ -13568,7 +14532,7 @@
               <a:t>.</a:t>
             </a:r>
             <a:r>
-              <a:rPr lang="en-IE" b="0" dirty="0" err="1">
+              <a:rPr lang="en-IE" sz="1600" b="0" dirty="0" err="1">
                 <a:solidFill>
                   <a:srgbClr val="9CDCFE"/>
                 </a:solidFill>
@@ -13578,7 +14542,7 @@
               <a:t>password</a:t>
             </a:r>
             <a:r>
-              <a:rPr lang="en-IE" b="0" dirty="0">
+              <a:rPr lang="en-IE" sz="1600" b="0" dirty="0">
                 <a:solidFill>
                   <a:srgbClr val="D4D4D4"/>
                 </a:solidFill>
@@ -13588,7 +14552,7 @@
               <a:t>, </a:t>
             </a:r>
             <a:r>
-              <a:rPr lang="en-IE" b="0" dirty="0">
+              <a:rPr lang="en-IE" sz="1600" b="0" dirty="0">
                 <a:solidFill>
                   <a:srgbClr val="B5CEA8"/>
                 </a:solidFill>
@@ -13598,7 +14562,7 @@
               <a:t>10</a:t>
             </a:r>
             <a:r>
-              <a:rPr lang="en-IE" b="0" dirty="0">
+              <a:rPr lang="en-IE" sz="1600" b="0" dirty="0">
                 <a:solidFill>
                   <a:srgbClr val="D4D4D4"/>
                 </a:solidFill>
@@ -13608,7 +14572,7 @@
               <a:t>, (</a:t>
             </a:r>
             <a:r>
-              <a:rPr lang="en-IE" b="0" dirty="0">
+              <a:rPr lang="en-IE" sz="1600" b="0" dirty="0">
                 <a:solidFill>
                   <a:srgbClr val="9CDCFE"/>
                 </a:solidFill>
@@ -13618,7 +14582,7 @@
               <a:t>err</a:t>
             </a:r>
             <a:r>
-              <a:rPr lang="en-IE" b="0" dirty="0">
+              <a:rPr lang="en-IE" sz="1600" b="0" dirty="0">
                 <a:solidFill>
                   <a:srgbClr val="D4D4D4"/>
                 </a:solidFill>
@@ -13628,7 +14592,7 @@
               <a:t>, </a:t>
             </a:r>
             <a:r>
-              <a:rPr lang="en-IE" b="0" dirty="0">
+              <a:rPr lang="en-IE" sz="1600" b="0" dirty="0">
                 <a:solidFill>
                   <a:srgbClr val="9CDCFE"/>
                 </a:solidFill>
@@ -13638,7 +14602,7 @@
               <a:t>hash</a:t>
             </a:r>
             <a:r>
-              <a:rPr lang="en-IE" b="0" dirty="0">
+              <a:rPr lang="en-IE" sz="1600" b="0" dirty="0">
                 <a:solidFill>
                   <a:srgbClr val="D4D4D4"/>
                 </a:solidFill>
@@ -13648,7 +14612,7 @@
               <a:t>) </a:t>
             </a:r>
             <a:r>
-              <a:rPr lang="en-IE" b="0" dirty="0">
+              <a:rPr lang="en-IE" sz="1600" b="0" dirty="0">
                 <a:solidFill>
                   <a:srgbClr val="569CD6"/>
                 </a:solidFill>
@@ -13658,7 +14622,7 @@
               <a:t>=&gt;</a:t>
             </a:r>
             <a:r>
-              <a:rPr lang="en-IE" b="0" dirty="0">
+              <a:rPr lang="en-IE" sz="1600" b="0" dirty="0">
                 <a:solidFill>
                   <a:srgbClr val="D4D4D4"/>
                 </a:solidFill>
@@ -13670,7 +14634,7 @@
           </a:p>
           <a:p>
             <a:r>
-              <a:rPr lang="en-IE" b="0" dirty="0">
+              <a:rPr lang="en-IE" sz="1600" b="0" dirty="0">
                 <a:solidFill>
                   <a:srgbClr val="D4D4D4"/>
                 </a:solidFill>
@@ -13680,7 +14644,7 @@
               <a:t>      </a:t>
             </a:r>
             <a:r>
-              <a:rPr lang="en-IE" b="0" dirty="0">
+              <a:rPr lang="en-IE" sz="1600" b="0" dirty="0">
                 <a:solidFill>
                   <a:srgbClr val="C586C0"/>
                 </a:solidFill>
@@ -13690,7 +14654,7 @@
               <a:t>if</a:t>
             </a:r>
             <a:r>
-              <a:rPr lang="en-IE" b="0" dirty="0">
+              <a:rPr lang="en-IE" sz="1600" b="0" dirty="0">
                 <a:solidFill>
                   <a:srgbClr val="D4D4D4"/>
                 </a:solidFill>
@@ -13700,7 +14664,7 @@
               <a:t> (</a:t>
             </a:r>
             <a:r>
-              <a:rPr lang="en-IE" b="0" dirty="0">
+              <a:rPr lang="en-IE" sz="1600" b="0" dirty="0">
                 <a:solidFill>
                   <a:srgbClr val="9CDCFE"/>
                 </a:solidFill>
@@ -13710,7 +14674,7 @@
               <a:t>err</a:t>
             </a:r>
             <a:r>
-              <a:rPr lang="en-IE" b="0" dirty="0">
+              <a:rPr lang="en-IE" sz="1600" b="0" dirty="0">
                 <a:solidFill>
                   <a:srgbClr val="D4D4D4"/>
                 </a:solidFill>
@@ -13722,7 +14686,7 @@
           </a:p>
           <a:p>
             <a:r>
-              <a:rPr lang="en-IE" b="0" dirty="0">
+              <a:rPr lang="en-IE" sz="1600" b="0" dirty="0">
                 <a:solidFill>
                   <a:srgbClr val="D4D4D4"/>
                 </a:solidFill>
@@ -13732,7 +14696,7 @@
               <a:t>        </a:t>
             </a:r>
             <a:r>
-              <a:rPr lang="en-IE" b="0" dirty="0">
+              <a:rPr lang="en-IE" sz="1600" b="0" dirty="0">
                 <a:solidFill>
                   <a:srgbClr val="C586C0"/>
                 </a:solidFill>
@@ -13742,7 +14706,7 @@
               <a:t>return</a:t>
             </a:r>
             <a:r>
-              <a:rPr lang="en-IE" b="0" dirty="0">
+              <a:rPr lang="en-IE" sz="1600" b="0" dirty="0">
                 <a:solidFill>
                   <a:srgbClr val="D4D4D4"/>
                 </a:solidFill>
@@ -13752,7 +14716,7 @@
               <a:t> </a:t>
             </a:r>
             <a:r>
-              <a:rPr lang="en-IE" b="0" dirty="0">
+              <a:rPr lang="en-IE" sz="1600" b="0" dirty="0">
                 <a:solidFill>
                   <a:srgbClr val="DCDCAA"/>
                 </a:solidFill>
@@ -13762,7 +14726,7 @@
               <a:t>next</a:t>
             </a:r>
             <a:r>
-              <a:rPr lang="en-IE" b="0" dirty="0">
+              <a:rPr lang="en-IE" sz="1600" b="0" dirty="0">
                 <a:solidFill>
                   <a:srgbClr val="D4D4D4"/>
                 </a:solidFill>
@@ -13772,7 +14736,7 @@
               <a:t>(</a:t>
             </a:r>
             <a:r>
-              <a:rPr lang="en-IE" b="0" dirty="0">
+              <a:rPr lang="en-IE" sz="1600" b="0" dirty="0">
                 <a:solidFill>
                   <a:srgbClr val="9CDCFE"/>
                 </a:solidFill>
@@ -13782,7 +14746,7 @@
               <a:t>err</a:t>
             </a:r>
             <a:r>
-              <a:rPr lang="en-IE" b="0" dirty="0">
+              <a:rPr lang="en-IE" sz="1600" b="0" dirty="0">
                 <a:solidFill>
                   <a:srgbClr val="D4D4D4"/>
                 </a:solidFill>
@@ -13794,7 +14758,7 @@
           </a:p>
           <a:p>
             <a:r>
-              <a:rPr lang="en-IE" b="0" dirty="0">
+              <a:rPr lang="en-IE" sz="1600" b="0" dirty="0">
                 <a:solidFill>
                   <a:srgbClr val="D4D4D4"/>
                 </a:solidFill>
@@ -13806,7 +14770,7 @@
           </a:p>
           <a:p>
             <a:r>
-              <a:rPr lang="en-IE" b="0" dirty="0">
+              <a:rPr lang="en-IE" sz="1600" b="0" dirty="0">
                 <a:solidFill>
                   <a:srgbClr val="D4D4D4"/>
                 </a:solidFill>
@@ -13816,7 +14780,7 @@
               <a:t>      </a:t>
             </a:r>
             <a:r>
-              <a:rPr lang="en-IE" b="0" dirty="0">
+              <a:rPr lang="en-IE" sz="1600" b="0" dirty="0">
                 <a:solidFill>
                   <a:srgbClr val="9CDCFE"/>
                 </a:solidFill>
@@ -13826,7 +14790,7 @@
               <a:t>console</a:t>
             </a:r>
             <a:r>
-              <a:rPr lang="en-IE" b="0" dirty="0">
+              <a:rPr lang="en-IE" sz="1600" b="0" dirty="0">
                 <a:solidFill>
                   <a:srgbClr val="D4D4D4"/>
                 </a:solidFill>
@@ -13836,7 +14800,7 @@
               <a:t>.</a:t>
             </a:r>
             <a:r>
-              <a:rPr lang="en-IE" b="0" dirty="0">
+              <a:rPr lang="en-IE" sz="1600" b="0" dirty="0">
                 <a:solidFill>
                   <a:srgbClr val="DCDCAA"/>
                 </a:solidFill>
@@ -13846,7 +14810,7 @@
               <a:t>log</a:t>
             </a:r>
             <a:r>
-              <a:rPr lang="en-IE" b="0" dirty="0">
+              <a:rPr lang="en-IE" sz="1600" b="0" dirty="0">
                 <a:solidFill>
                   <a:srgbClr val="D4D4D4"/>
                 </a:solidFill>
@@ -13856,7 +14820,7 @@
               <a:t>(</a:t>
             </a:r>
             <a:r>
-              <a:rPr lang="en-IE" b="0" dirty="0">
+              <a:rPr lang="en-IE" sz="1600" b="0" dirty="0">
                 <a:solidFill>
                   <a:srgbClr val="9CDCFE"/>
                 </a:solidFill>
@@ -13866,7 +14830,7 @@
               <a:t>hash</a:t>
             </a:r>
             <a:r>
-              <a:rPr lang="en-IE" b="0" dirty="0">
+              <a:rPr lang="en-IE" sz="1600" b="0" dirty="0">
                 <a:solidFill>
                   <a:srgbClr val="D4D4D4"/>
                 </a:solidFill>
@@ -13878,7 +14842,7 @@
           </a:p>
           <a:p>
             <a:r>
-              <a:rPr lang="en-IE" b="0" dirty="0">
+              <a:rPr lang="en-IE" sz="1600" b="0" dirty="0">
                 <a:solidFill>
                   <a:srgbClr val="9CDCFE"/>
                 </a:solidFill>
@@ -13888,7 +14852,7 @@
               <a:t>      </a:t>
             </a:r>
             <a:r>
-              <a:rPr lang="en-IE" b="0" dirty="0" err="1">
+              <a:rPr lang="en-IE" sz="1600" b="0" dirty="0" err="1">
                 <a:solidFill>
                   <a:srgbClr val="4FC1FF"/>
                 </a:solidFill>
@@ -13898,7 +14862,7 @@
               <a:t>user</a:t>
             </a:r>
             <a:r>
-              <a:rPr lang="en-IE" b="0" dirty="0" err="1">
+              <a:rPr lang="en-IE" sz="1600" b="0" dirty="0" err="1">
                 <a:solidFill>
                   <a:srgbClr val="D4D4D4"/>
                 </a:solidFill>
@@ -13908,7 +14872,7 @@
               <a:t>.</a:t>
             </a:r>
             <a:r>
-              <a:rPr lang="en-IE" b="0" dirty="0" err="1">
+              <a:rPr lang="en-IE" sz="1600" b="0" dirty="0" err="1">
                 <a:solidFill>
                   <a:srgbClr val="9CDCFE"/>
                 </a:solidFill>
@@ -13918,7 +14882,7 @@
               <a:t>password</a:t>
             </a:r>
             <a:r>
-              <a:rPr lang="en-IE" b="0" dirty="0">
+              <a:rPr lang="en-IE" sz="1600" b="0" dirty="0">
                 <a:solidFill>
                   <a:srgbClr val="D4D4D4"/>
                 </a:solidFill>
@@ -13928,7 +14892,7 @@
               <a:t> = </a:t>
             </a:r>
             <a:r>
-              <a:rPr lang="en-IE" b="0" dirty="0">
+              <a:rPr lang="en-IE" sz="1600" b="0" dirty="0">
                 <a:solidFill>
                   <a:srgbClr val="9CDCFE"/>
                 </a:solidFill>
@@ -13938,7 +14902,7 @@
               <a:t>hash</a:t>
             </a:r>
             <a:r>
-              <a:rPr lang="en-IE" b="0" dirty="0">
+              <a:rPr lang="en-IE" sz="1600" b="0" dirty="0">
                 <a:solidFill>
                   <a:srgbClr val="D4D4D4"/>
                 </a:solidFill>
@@ -13950,7 +14914,7 @@
           </a:p>
           <a:p>
             <a:r>
-              <a:rPr lang="en-IE" b="0" dirty="0">
+              <a:rPr lang="en-IE" sz="1600" b="0" dirty="0">
                 <a:solidFill>
                   <a:srgbClr val="D4D4D4"/>
                 </a:solidFill>
@@ -13960,7 +14924,7 @@
               <a:t>      </a:t>
             </a:r>
             <a:r>
-              <a:rPr lang="en-IE" b="0" dirty="0">
+              <a:rPr lang="en-IE" sz="1600" b="0" dirty="0">
                 <a:solidFill>
                   <a:srgbClr val="DCDCAA"/>
                 </a:solidFill>
@@ -13970,7 +14934,7 @@
               <a:t>next</a:t>
             </a:r>
             <a:r>
-              <a:rPr lang="en-IE" b="0" dirty="0">
+              <a:rPr lang="en-IE" sz="1600" b="0" dirty="0">
                 <a:solidFill>
                   <a:srgbClr val="D4D4D4"/>
                 </a:solidFill>
@@ -13982,7 +14946,7 @@
           </a:p>
           <a:p>
             <a:r>
-              <a:rPr lang="en-IE" b="0" dirty="0">
+              <a:rPr lang="en-IE" sz="1600" b="0" dirty="0">
                 <a:solidFill>
                   <a:srgbClr val="D4D4D4"/>
                 </a:solidFill>
@@ -13994,7 +14958,7 @@
           </a:p>
           <a:p>
             <a:r>
-              <a:rPr lang="en-IE" b="0" dirty="0">
+              <a:rPr lang="en-IE" sz="1600" b="0" dirty="0">
                 <a:solidFill>
                   <a:srgbClr val="D4D4D4"/>
                 </a:solidFill>
@@ -14006,7 +14970,7 @@
           </a:p>
           <a:p>
             <a:r>
-              <a:rPr lang="en-IE" b="0" dirty="0">
+              <a:rPr lang="en-IE" sz="1600" b="0" dirty="0">
                 <a:solidFill>
                   <a:srgbClr val="D4D4D4"/>
                 </a:solidFill>
@@ -14016,7 +14980,7 @@
               <a:t>  </a:t>
             </a:r>
             <a:r>
-              <a:rPr lang="en-IE" b="0" dirty="0">
+              <a:rPr lang="en-IE" sz="1600" b="0" dirty="0">
                 <a:solidFill>
                   <a:srgbClr val="C586C0"/>
                 </a:solidFill>
@@ -14026,7 +14990,7 @@
               <a:t>else</a:t>
             </a:r>
             <a:r>
-              <a:rPr lang="en-IE" b="0" dirty="0">
+              <a:rPr lang="en-IE" sz="1600" b="0" dirty="0">
                 <a:solidFill>
                   <a:srgbClr val="D4D4D4"/>
                 </a:solidFill>
@@ -14038,7 +15002,7 @@
           </a:p>
           <a:p>
             <a:r>
-              <a:rPr lang="en-IE" b="0" dirty="0">
+              <a:rPr lang="en-IE" sz="1600" b="0" dirty="0">
                 <a:solidFill>
                   <a:srgbClr val="D4D4D4"/>
                 </a:solidFill>
@@ -14048,7 +15012,7 @@
               <a:t>    </a:t>
             </a:r>
             <a:r>
-              <a:rPr lang="en-IE" b="0" dirty="0">
+              <a:rPr lang="en-IE" sz="1600" b="0" dirty="0">
                 <a:solidFill>
                   <a:srgbClr val="C586C0"/>
                 </a:solidFill>
@@ -14058,7 +15022,7 @@
               <a:t>return</a:t>
             </a:r>
             <a:r>
-              <a:rPr lang="en-IE" b="0" dirty="0">
+              <a:rPr lang="en-IE" sz="1600" b="0" dirty="0">
                 <a:solidFill>
                   <a:srgbClr val="D4D4D4"/>
                 </a:solidFill>
@@ -14068,7 +15032,7 @@
               <a:t> </a:t>
             </a:r>
             <a:r>
-              <a:rPr lang="en-IE" b="0" dirty="0">
+              <a:rPr lang="en-IE" sz="1600" b="0" dirty="0">
                 <a:solidFill>
                   <a:srgbClr val="DCDCAA"/>
                 </a:solidFill>
@@ -14078,7 +15042,7 @@
               <a:t>next</a:t>
             </a:r>
             <a:r>
-              <a:rPr lang="en-IE" b="0" dirty="0">
+              <a:rPr lang="en-IE" sz="1600" b="0" dirty="0">
                 <a:solidFill>
                   <a:srgbClr val="D4D4D4"/>
                 </a:solidFill>
@@ -14090,7 +15054,7 @@
           </a:p>
           <a:p>
             <a:r>
-              <a:rPr lang="en-IE" b="0" dirty="0">
+              <a:rPr lang="en-IE" sz="1600" b="0" dirty="0">
                 <a:solidFill>
                   <a:srgbClr val="D4D4D4"/>
                 </a:solidFill>
@@ -14102,7 +15066,7 @@
           </a:p>
           <a:p>
             <a:r>
-              <a:rPr lang="en-IE" b="0" dirty="0">
+              <a:rPr lang="en-IE" sz="1600" b="0" dirty="0">
                 <a:solidFill>
                   <a:srgbClr val="D4D4D4"/>
                 </a:solidFill>
@@ -14772,6 +15736,12 @@
           <a:p>
             <a:r>
               <a:rPr lang="en-IE" sz="2000" dirty="0"/>
+              <a:t>Passport.io</a:t>
+            </a:r>
+          </a:p>
+          <a:p>
+            <a:r>
+              <a:rPr lang="en-IE" sz="2000" dirty="0"/>
               <a:t>Authentication</a:t>
             </a:r>
           </a:p>
@@ -14779,19 +15749,13 @@
             <a:pPr lvl="1"/>
             <a:r>
               <a:rPr lang="en-IE" sz="2000" dirty="0"/>
-              <a:t>Salting with </a:t>
+              <a:t>Salting/hashing with </a:t>
             </a:r>
             <a:r>
               <a:rPr lang="en-IE" sz="2000" dirty="0" err="1"/>
-              <a:t>BCrypt</a:t>
-            </a:r>
-            <a:endParaRPr lang="en-IE" sz="2000" dirty="0"/>
-          </a:p>
-          <a:p>
-            <a:r>
-              <a:rPr lang="en-IE" sz="2000" dirty="0"/>
-              <a:t>Passport</a:t>
-            </a:r>
+              <a:t>Bcrypt</a:t>
+            </a:r>
+            <a:endParaRPr lang="en-IE" sz="2400" dirty="0"/>
           </a:p>
           <a:p>
             <a:r>

--- a/topic11/talk-01/Authentication with JWT.pptx
+++ b/topic11/talk-01/Authentication with JWT.pptx
@@ -12143,7 +12143,7 @@
                 </a:solidFill>
                 <a:cs typeface="Calibri"/>
               </a:rPr>
-              <a:t>, 2020</a:t>
+              <a:t>, 2022</a:t>
             </a:r>
             <a:endParaRPr lang="en-US" sz="2400" dirty="0">
               <a:solidFill>
@@ -15635,8 +15635,8 @@
             <a:chExt cx="922680" cy="1848960"/>
           </a:xfrm>
         </p:grpSpPr>
-        <mc:AlternateContent xmlns:mc="http://schemas.openxmlformats.org/markup-compatibility/2006">
-          <mc:Choice xmlns:p14="http://schemas.microsoft.com/office/powerpoint/2010/main" Requires="p14">
+        <mc:AlternateContent xmlns:mc="http://schemas.openxmlformats.org/markup-compatibility/2006" xmlns:p14="http://schemas.microsoft.com/office/powerpoint/2010/main">
+          <mc:Choice Requires="p14">
             <p:contentPart p14:bwMode="auto" r:id="rId4">
               <p14:nvContentPartPr>
                 <p14:cNvPr id="4" name="Ink 3">
@@ -15655,7 +15655,7 @@
               </p14:xfrm>
             </p:contentPart>
           </mc:Choice>
-          <mc:Fallback>
+          <mc:Fallback xmlns="">
             <p:pic>
               <p:nvPicPr>
                 <p:cNvPr id="4" name="Ink 3">
@@ -15686,8 +15686,8 @@
             </p:pic>
           </mc:Fallback>
         </mc:AlternateContent>
-        <mc:AlternateContent xmlns:mc="http://schemas.openxmlformats.org/markup-compatibility/2006">
-          <mc:Choice xmlns:p14="http://schemas.microsoft.com/office/powerpoint/2010/main" Requires="p14">
+        <mc:AlternateContent xmlns:mc="http://schemas.openxmlformats.org/markup-compatibility/2006" xmlns:p14="http://schemas.microsoft.com/office/powerpoint/2010/main">
+          <mc:Choice Requires="p14">
             <p:contentPart p14:bwMode="auto" r:id="rId6">
               <p14:nvContentPartPr>
                 <p14:cNvPr id="5" name="Ink 4">
@@ -15706,7 +15706,7 @@
               </p14:xfrm>
             </p:contentPart>
           </mc:Choice>
-          <mc:Fallback>
+          <mc:Fallback xmlns="">
             <p:pic>
               <p:nvPicPr>
                 <p:cNvPr id="5" name="Ink 4">
@@ -16974,8 +16974,8 @@
           </a:prstGeom>
         </p:spPr>
       </p:pic>
-      <mc:AlternateContent xmlns:mc="http://schemas.openxmlformats.org/markup-compatibility/2006">
-        <mc:Choice xmlns:p14="http://schemas.microsoft.com/office/powerpoint/2010/main" Requires="p14">
+      <mc:AlternateContent xmlns:mc="http://schemas.openxmlformats.org/markup-compatibility/2006" xmlns:p14="http://schemas.microsoft.com/office/powerpoint/2010/main">
+        <mc:Choice Requires="p14">
           <p:contentPart p14:bwMode="auto" r:id="rId4">
             <p14:nvContentPartPr>
               <p14:cNvPr id="4" name="Ink 3">
@@ -16994,7 +16994,7 @@
             </p14:xfrm>
           </p:contentPart>
         </mc:Choice>
-        <mc:Fallback>
+        <mc:Fallback xmlns="">
           <p:pic>
             <p:nvPicPr>
               <p:cNvPr id="4" name="Ink 3">
@@ -22582,8 +22582,8 @@
           </a:p>
         </p:txBody>
       </p:sp>
-      <mc:AlternateContent xmlns:mc="http://schemas.openxmlformats.org/markup-compatibility/2006">
-        <mc:Choice xmlns:p14="http://schemas.microsoft.com/office/powerpoint/2010/main" Requires="p14">
+      <mc:AlternateContent xmlns:mc="http://schemas.openxmlformats.org/markup-compatibility/2006" xmlns:p14="http://schemas.microsoft.com/office/powerpoint/2010/main">
+        <mc:Choice Requires="p14">
           <p:contentPart p14:bwMode="auto" r:id="rId2">
             <p14:nvContentPartPr>
               <p14:cNvPr id="5" name="Ink 4">
@@ -22602,7 +22602,7 @@
             </p14:xfrm>
           </p:contentPart>
         </mc:Choice>
-        <mc:Fallback>
+        <mc:Fallback xmlns="">
           <p:pic>
             <p:nvPicPr>
               <p:cNvPr id="5" name="Ink 4">
@@ -24620,8 +24620,8 @@
             <a:chExt cx="999000" cy="289080"/>
           </a:xfrm>
         </p:grpSpPr>
-        <mc:AlternateContent xmlns:mc="http://schemas.openxmlformats.org/markup-compatibility/2006">
-          <mc:Choice xmlns:p14="http://schemas.microsoft.com/office/powerpoint/2010/main" Requires="p14">
+        <mc:AlternateContent xmlns:mc="http://schemas.openxmlformats.org/markup-compatibility/2006" xmlns:p14="http://schemas.microsoft.com/office/powerpoint/2010/main">
+          <mc:Choice Requires="p14">
             <p:contentPart p14:bwMode="auto" r:id="rId2">
               <p14:nvContentPartPr>
                 <p14:cNvPr id="4" name="Ink 3">
@@ -24640,7 +24640,7 @@
               </p14:xfrm>
             </p:contentPart>
           </mc:Choice>
-          <mc:Fallback>
+          <mc:Fallback xmlns="">
             <p:pic>
               <p:nvPicPr>
                 <p:cNvPr id="4" name="Ink 3">
@@ -24671,8 +24671,8 @@
             </p:pic>
           </mc:Fallback>
         </mc:AlternateContent>
-        <mc:AlternateContent xmlns:mc="http://schemas.openxmlformats.org/markup-compatibility/2006">
-          <mc:Choice xmlns:p14="http://schemas.microsoft.com/office/powerpoint/2010/main" Requires="p14">
+        <mc:AlternateContent xmlns:mc="http://schemas.openxmlformats.org/markup-compatibility/2006" xmlns:p14="http://schemas.microsoft.com/office/powerpoint/2010/main">
+          <mc:Choice Requires="p14">
             <p:contentPart p14:bwMode="auto" r:id="rId4">
               <p14:nvContentPartPr>
                 <p14:cNvPr id="7" name="Ink 6">
@@ -24691,7 +24691,7 @@
               </p14:xfrm>
             </p:contentPart>
           </mc:Choice>
-          <mc:Fallback>
+          <mc:Fallback xmlns="">
             <p:pic>
               <p:nvPicPr>
                 <p:cNvPr id="7" name="Ink 6">
@@ -24722,8 +24722,8 @@
             </p:pic>
           </mc:Fallback>
         </mc:AlternateContent>
-        <mc:AlternateContent xmlns:mc="http://schemas.openxmlformats.org/markup-compatibility/2006">
-          <mc:Choice xmlns:p14="http://schemas.microsoft.com/office/powerpoint/2010/main" Requires="p14">
+        <mc:AlternateContent xmlns:mc="http://schemas.openxmlformats.org/markup-compatibility/2006" xmlns:p14="http://schemas.microsoft.com/office/powerpoint/2010/main">
+          <mc:Choice Requires="p14">
             <p:contentPart p14:bwMode="auto" r:id="rId6">
               <p14:nvContentPartPr>
                 <p14:cNvPr id="8" name="Ink 7">
@@ -24742,7 +24742,7 @@
               </p14:xfrm>
             </p:contentPart>
           </mc:Choice>
-          <mc:Fallback>
+          <mc:Fallback xmlns="">
             <p:pic>
               <p:nvPicPr>
                 <p:cNvPr id="8" name="Ink 7">
@@ -24794,8 +24794,8 @@
             <a:chExt cx="830160" cy="255240"/>
           </a:xfrm>
         </p:grpSpPr>
-        <mc:AlternateContent xmlns:mc="http://schemas.openxmlformats.org/markup-compatibility/2006">
-          <mc:Choice xmlns:p14="http://schemas.microsoft.com/office/powerpoint/2010/main" Requires="p14">
+        <mc:AlternateContent xmlns:mc="http://schemas.openxmlformats.org/markup-compatibility/2006" xmlns:p14="http://schemas.microsoft.com/office/powerpoint/2010/main">
+          <mc:Choice Requires="p14">
             <p:contentPart p14:bwMode="auto" r:id="rId8">
               <p14:nvContentPartPr>
                 <p14:cNvPr id="15" name="Ink 14">
@@ -24814,7 +24814,7 @@
               </p14:xfrm>
             </p:contentPart>
           </mc:Choice>
-          <mc:Fallback>
+          <mc:Fallback xmlns="">
             <p:pic>
               <p:nvPicPr>
                 <p:cNvPr id="15" name="Ink 14">
@@ -24845,8 +24845,8 @@
             </p:pic>
           </mc:Fallback>
         </mc:AlternateContent>
-        <mc:AlternateContent xmlns:mc="http://schemas.openxmlformats.org/markup-compatibility/2006">
-          <mc:Choice xmlns:p14="http://schemas.microsoft.com/office/powerpoint/2010/main" Requires="p14">
+        <mc:AlternateContent xmlns:mc="http://schemas.openxmlformats.org/markup-compatibility/2006" xmlns:p14="http://schemas.microsoft.com/office/powerpoint/2010/main">
+          <mc:Choice Requires="p14">
             <p:contentPart p14:bwMode="auto" r:id="rId10">
               <p14:nvContentPartPr>
                 <p14:cNvPr id="16" name="Ink 15">
@@ -24865,7 +24865,7 @@
               </p14:xfrm>
             </p:contentPart>
           </mc:Choice>
-          <mc:Fallback>
+          <mc:Fallback xmlns="">
             <p:pic>
               <p:nvPicPr>
                 <p:cNvPr id="16" name="Ink 15">
@@ -24896,8 +24896,8 @@
             </p:pic>
           </mc:Fallback>
         </mc:AlternateContent>
-        <mc:AlternateContent xmlns:mc="http://schemas.openxmlformats.org/markup-compatibility/2006">
-          <mc:Choice xmlns:p14="http://schemas.microsoft.com/office/powerpoint/2010/main" Requires="p14">
+        <mc:AlternateContent xmlns:mc="http://schemas.openxmlformats.org/markup-compatibility/2006" xmlns:p14="http://schemas.microsoft.com/office/powerpoint/2010/main">
+          <mc:Choice Requires="p14">
             <p:contentPart p14:bwMode="auto" r:id="rId12">
               <p14:nvContentPartPr>
                 <p14:cNvPr id="17" name="Ink 16">
@@ -24916,7 +24916,7 @@
               </p14:xfrm>
             </p:contentPart>
           </mc:Choice>
-          <mc:Fallback>
+          <mc:Fallback xmlns="">
             <p:pic>
               <p:nvPicPr>
                 <p:cNvPr id="17" name="Ink 16">
@@ -24948,8 +24948,8 @@
           </mc:Fallback>
         </mc:AlternateContent>
       </p:grpSp>
-      <mc:AlternateContent xmlns:mc="http://schemas.openxmlformats.org/markup-compatibility/2006">
-        <mc:Choice xmlns:p14="http://schemas.microsoft.com/office/powerpoint/2010/main" Requires="p14">
+      <mc:AlternateContent xmlns:mc="http://schemas.openxmlformats.org/markup-compatibility/2006" xmlns:p14="http://schemas.microsoft.com/office/powerpoint/2010/main">
+        <mc:Choice Requires="p14">
           <p:contentPart p14:bwMode="auto" r:id="rId14">
             <p14:nvContentPartPr>
               <p14:cNvPr id="19" name="Ink 18">
@@ -24968,7 +24968,7 @@
             </p14:xfrm>
           </p:contentPart>
         </mc:Choice>
-        <mc:Fallback>
+        <mc:Fallback xmlns="">
           <p:pic>
             <p:nvPicPr>
               <p:cNvPr id="19" name="Ink 18">

--- a/topic11/talk-01/Authentication with JWT.pptx
+++ b/topic11/talk-01/Authentication with JWT.pptx
@@ -7634,7 +7634,7 @@
           <a:p>
             <a:fld id="{C9356069-4FA2-45C3-A84D-51090EC42BAD}" type="datetimeFigureOut">
               <a:rPr lang="en-IE" smtClean="0"/>
-              <a:t>05/04/2022</a:t>
+              <a:t>18/04/2023</a:t>
             </a:fld>
             <a:endParaRPr lang="en-IE"/>
           </a:p>
@@ -9143,7 +9143,7 @@
           <a:p>
             <a:fld id="{846CE7D5-CF57-46EF-B807-FDD0502418D4}" type="datetimeFigureOut">
               <a:rPr lang="en-US" smtClean="0"/>
-              <a:t>4/5/2022</a:t>
+              <a:t>4/18/2023</a:t>
             </a:fld>
             <a:endParaRPr lang="en-US"/>
           </a:p>
@@ -9311,7 +9311,7 @@
           <a:p>
             <a:fld id="{846CE7D5-CF57-46EF-B807-FDD0502418D4}" type="datetimeFigureOut">
               <a:rPr lang="en-US" smtClean="0"/>
-              <a:t>4/5/2022</a:t>
+              <a:t>4/18/2023</a:t>
             </a:fld>
             <a:endParaRPr lang="en-US"/>
           </a:p>
@@ -9489,7 +9489,7 @@
           <a:p>
             <a:fld id="{846CE7D5-CF57-46EF-B807-FDD0502418D4}" type="datetimeFigureOut">
               <a:rPr lang="en-US" smtClean="0"/>
-              <a:t>4/5/2022</a:t>
+              <a:t>4/18/2023</a:t>
             </a:fld>
             <a:endParaRPr lang="en-US"/>
           </a:p>
@@ -9657,7 +9657,7 @@
           <a:p>
             <a:fld id="{846CE7D5-CF57-46EF-B807-FDD0502418D4}" type="datetimeFigureOut">
               <a:rPr lang="en-US" smtClean="0"/>
-              <a:t>4/5/2022</a:t>
+              <a:t>4/18/2023</a:t>
             </a:fld>
             <a:endParaRPr lang="en-US"/>
           </a:p>
@@ -9902,7 +9902,7 @@
           <a:p>
             <a:fld id="{846CE7D5-CF57-46EF-B807-FDD0502418D4}" type="datetimeFigureOut">
               <a:rPr lang="en-US" smtClean="0"/>
-              <a:t>4/5/2022</a:t>
+              <a:t>4/18/2023</a:t>
             </a:fld>
             <a:endParaRPr lang="en-US"/>
           </a:p>
@@ -10131,7 +10131,7 @@
           <a:p>
             <a:fld id="{846CE7D5-CF57-46EF-B807-FDD0502418D4}" type="datetimeFigureOut">
               <a:rPr lang="en-US" smtClean="0"/>
-              <a:t>4/5/2022</a:t>
+              <a:t>4/18/2023</a:t>
             </a:fld>
             <a:endParaRPr lang="en-US"/>
           </a:p>
@@ -10495,7 +10495,7 @@
           <a:p>
             <a:fld id="{846CE7D5-CF57-46EF-B807-FDD0502418D4}" type="datetimeFigureOut">
               <a:rPr lang="en-US" smtClean="0"/>
-              <a:t>4/5/2022</a:t>
+              <a:t>4/18/2023</a:t>
             </a:fld>
             <a:endParaRPr lang="en-US"/>
           </a:p>
@@ -10612,7 +10612,7 @@
           <a:p>
             <a:fld id="{846CE7D5-CF57-46EF-B807-FDD0502418D4}" type="datetimeFigureOut">
               <a:rPr lang="en-US" smtClean="0"/>
-              <a:t>4/5/2022</a:t>
+              <a:t>4/18/2023</a:t>
             </a:fld>
             <a:endParaRPr lang="en-US"/>
           </a:p>
@@ -10707,7 +10707,7 @@
           <a:p>
             <a:fld id="{846CE7D5-CF57-46EF-B807-FDD0502418D4}" type="datetimeFigureOut">
               <a:rPr lang="en-US" smtClean="0"/>
-              <a:t>4/5/2022</a:t>
+              <a:t>4/18/2023</a:t>
             </a:fld>
             <a:endParaRPr lang="en-US"/>
           </a:p>
@@ -10982,7 +10982,7 @@
           <a:p>
             <a:fld id="{846CE7D5-CF57-46EF-B807-FDD0502418D4}" type="datetimeFigureOut">
               <a:rPr lang="en-US" smtClean="0"/>
-              <a:t>4/5/2022</a:t>
+              <a:t>4/18/2023</a:t>
             </a:fld>
             <a:endParaRPr lang="en-US"/>
           </a:p>
@@ -11237,7 +11237,7 @@
           <a:p>
             <a:fld id="{846CE7D5-CF57-46EF-B807-FDD0502418D4}" type="datetimeFigureOut">
               <a:rPr lang="en-US" smtClean="0"/>
-              <a:t>4/5/2022</a:t>
+              <a:t>4/18/2023</a:t>
             </a:fld>
             <a:endParaRPr lang="en-US"/>
           </a:p>
@@ -11448,7 +11448,7 @@
           <a:p>
             <a:fld id="{846CE7D5-CF57-46EF-B807-FDD0502418D4}" type="datetimeFigureOut">
               <a:rPr lang="en-US" smtClean="0"/>
-              <a:t>4/5/2022</a:t>
+              <a:t>4/18/2023</a:t>
             </a:fld>
             <a:endParaRPr lang="en-US"/>
           </a:p>
@@ -12912,10 +12912,10 @@
       </p:sp>
       <p:pic>
         <p:nvPicPr>
-          <p:cNvPr id="6" name="Picture 5">
+          <p:cNvPr id="9" name="Picture 8">
             <a:extLst>
               <a:ext uri="{FF2B5EF4-FFF2-40B4-BE49-F238E27FC236}">
-                <a16:creationId xmlns:a16="http://schemas.microsoft.com/office/drawing/2014/main" id="{69CA4AEC-4ACF-4C96-99DE-544A8AD6A240}"/>
+                <a16:creationId xmlns:a16="http://schemas.microsoft.com/office/drawing/2014/main" id="{A0D957F1-5583-FB2D-F93F-6363EB17F8E8}"/>
               </a:ext>
             </a:extLst>
           </p:cNvPr>
@@ -12932,8 +12932,8 @@
         </p:blipFill>
         <p:spPr>
           <a:xfrm>
-            <a:off x="6744366" y="4145489"/>
-            <a:ext cx="5284314" cy="2113726"/>
+            <a:off x="6733906" y="4460630"/>
+            <a:ext cx="5404670" cy="2055070"/>
           </a:xfrm>
           <a:prstGeom prst="rect">
             <a:avLst/>
@@ -13254,7 +13254,7 @@
               <a:rPr lang="en-US" dirty="0">
                 <a:cs typeface="Calibri"/>
               </a:rPr>
-              <a:t>Update router to support following Endpoints</a:t>
+              <a:t>Update Account API to support following Endpoints</a:t>
             </a:r>
           </a:p>
           <a:p>
@@ -13712,7 +13712,10 @@
           <a:bodyPr/>
           <a:lstStyle/>
           <a:p>
-            <a:endParaRPr lang="en-IE" dirty="0"/>
+            <a:r>
+              <a:rPr lang="en-IE" dirty="0"/>
+              <a:t>Using Clean Architecture</a:t>
+            </a:r>
           </a:p>
         </p:txBody>
       </p:sp>
@@ -13797,7 +13800,7 @@
           <a:p>
             <a:r>
               <a:rPr lang="en-IE" dirty="0"/>
-              <a:t>We’ll continue to follow Clean Architecture approach as before</a:t>
+              <a:t>We’ll continue to follow Clean Architecture approach as before…</a:t>
             </a:r>
           </a:p>
           <a:p>
@@ -13851,7 +13854,7 @@
                 <a:effectLst/>
                 <a:latin typeface="charter"/>
               </a:rPr>
-              <a:t>Use base classes to define “</a:t>
+              <a:t>Use base Classes to define “</a:t>
             </a:r>
             <a:r>
               <a:rPr lang="en-GB" b="0" i="0" dirty="0">
@@ -14278,7 +14281,7 @@
         </p:spPr>
         <p:txBody>
           <a:bodyPr vert="horz" lIns="91440" tIns="45720" rIns="91440" bIns="45720" rtlCol="0" anchor="t">
-            <a:normAutofit lnSpcReduction="10000"/>
+            <a:normAutofit/>
           </a:bodyPr>
           <a:lstStyle/>
           <a:p>
@@ -14289,25 +14292,7 @@
                 </a:solidFill>
                 <a:cs typeface="Calibri"/>
               </a:rPr>
-              <a:t>Define </a:t>
-            </a:r>
-            <a:r>
-              <a:rPr lang="en-US" sz="2000" dirty="0" err="1">
-                <a:solidFill>
-                  <a:schemeClr val="bg1"/>
-                </a:solidFill>
-                <a:cs typeface="Calibri"/>
-              </a:rPr>
-              <a:t>EncryptionService</a:t>
-            </a:r>
-            <a:r>
-              <a:rPr lang="en-US" sz="2000" dirty="0">
-                <a:solidFill>
-                  <a:schemeClr val="bg1"/>
-                </a:solidFill>
-                <a:cs typeface="Calibri"/>
-              </a:rPr>
-              <a:t> “Contract”</a:t>
+              <a:t>Define Encryption “Contract”</a:t>
             </a:r>
           </a:p>
           <a:p>
@@ -14393,7 +14378,7 @@
         <p:spPr>
           <a:xfrm>
             <a:off x="5047761" y="2078712"/>
-            <a:ext cx="7022318" cy="4154984"/>
+            <a:ext cx="7022318" cy="3785652"/>
           </a:xfrm>
           <a:prstGeom prst="rect">
             <a:avLst/>
@@ -14429,6 +14414,88 @@
               <a:t> </a:t>
             </a:r>
             <a:r>
+              <a:rPr lang="en-IE" sz="1200" b="0" dirty="0">
+                <a:solidFill>
+                  <a:srgbClr val="9CDCFE"/>
+                </a:solidFill>
+                <a:effectLst/>
+                <a:latin typeface="Consolas" panose="020B0609020204030204" pitchFamily="49" charset="0"/>
+              </a:rPr>
+              <a:t>Authenticator</a:t>
+            </a:r>
+            <a:r>
+              <a:rPr lang="en-IE" sz="1200" b="0" dirty="0">
+                <a:solidFill>
+                  <a:srgbClr val="D4D4D4"/>
+                </a:solidFill>
+                <a:effectLst/>
+                <a:latin typeface="Consolas" panose="020B0609020204030204" pitchFamily="49" charset="0"/>
+              </a:rPr>
+              <a:t> </a:t>
+            </a:r>
+            <a:r>
+              <a:rPr lang="en-IE" sz="1200" b="0" dirty="0">
+                <a:solidFill>
+                  <a:srgbClr val="C586C0"/>
+                </a:solidFill>
+                <a:effectLst/>
+                <a:latin typeface="Consolas" panose="020B0609020204030204" pitchFamily="49" charset="0"/>
+              </a:rPr>
+              <a:t>from</a:t>
+            </a:r>
+            <a:r>
+              <a:rPr lang="en-IE" sz="1200" b="0" dirty="0">
+                <a:solidFill>
+                  <a:srgbClr val="D4D4D4"/>
+                </a:solidFill>
+                <a:effectLst/>
+                <a:latin typeface="Consolas" panose="020B0609020204030204" pitchFamily="49" charset="0"/>
+              </a:rPr>
+              <a:t> </a:t>
+            </a:r>
+            <a:r>
+              <a:rPr lang="en-IE" sz="1200" b="0" dirty="0">
+                <a:solidFill>
+                  <a:srgbClr val="CE9178"/>
+                </a:solidFill>
+                <a:effectLst/>
+                <a:latin typeface="Consolas" panose="020B0609020204030204" pitchFamily="49" charset="0"/>
+              </a:rPr>
+              <a:t>'./Authenticator'</a:t>
+            </a:r>
+            <a:r>
+              <a:rPr lang="en-IE" sz="1200" b="0" dirty="0">
+                <a:solidFill>
+                  <a:srgbClr val="D4D4D4"/>
+                </a:solidFill>
+                <a:effectLst/>
+                <a:latin typeface="Consolas" panose="020B0609020204030204" pitchFamily="49" charset="0"/>
+              </a:rPr>
+              <a:t>;</a:t>
+            </a:r>
+          </a:p>
+          <a:p>
+            <a:r>
+              <a:rPr lang="en-IE" sz="1200" b="0" dirty="0">
+                <a:solidFill>
+                  <a:srgbClr val="C586C0"/>
+                </a:solidFill>
+                <a:effectLst/>
+                <a:latin typeface="Consolas" panose="020B0609020204030204" pitchFamily="49" charset="0"/>
+              </a:rPr>
+              <a:t>import</a:t>
+            </a:r>
+            <a:r>
+              <a:rPr lang="en-IE" sz="1200" b="0" dirty="0">
+                <a:solidFill>
+                  <a:srgbClr val="D4D4D4"/>
+                </a:solidFill>
+                <a:effectLst/>
+                <a:latin typeface="Consolas" panose="020B0609020204030204" pitchFamily="49" charset="0"/>
+              </a:rPr>
+              <a:t> </a:t>
+            </a:r>
+            <a:r>
               <a:rPr lang="en-IE" sz="1200" b="0" dirty="0" err="1">
                 <a:solidFill>
                   <a:srgbClr val="9CDCFE"/>
@@ -14436,7 +14503,7 @@
                 <a:effectLst/>
                 <a:latin typeface="Consolas" panose="020B0609020204030204" pitchFamily="49" charset="0"/>
               </a:rPr>
-              <a:t>EncryptionService</a:t>
+              <a:t>bcrypt</a:t>
             </a:r>
             <a:r>
               <a:rPr lang="en-IE" sz="1200" b="0" dirty="0">
@@ -14476,7 +14543,7 @@
                 <a:effectLst/>
                 <a:latin typeface="Consolas" panose="020B0609020204030204" pitchFamily="49" charset="0"/>
               </a:rPr>
-              <a:t>'../</a:t>
+              <a:t>'</a:t>
             </a:r>
             <a:r>
               <a:rPr lang="en-IE" sz="1200" b="0" dirty="0" err="1">
@@ -14486,7 +14553,7 @@
                 <a:effectLst/>
                 <a:latin typeface="Consolas" panose="020B0609020204030204" pitchFamily="49" charset="0"/>
               </a:rPr>
-              <a:t>AuthenticationService</a:t>
+              <a:t>bcryptjs</a:t>
             </a:r>
             <a:r>
               <a:rPr lang="en-IE" sz="1200" b="0" dirty="0">
@@ -14510,6 +14577,15 @@
             </a:r>
           </a:p>
           <a:p>
+            <a:br>
+              <a:rPr lang="en-IE" sz="1200" b="0" dirty="0">
+                <a:solidFill>
+                  <a:srgbClr val="D4D4D4"/>
+                </a:solidFill>
+                <a:effectLst/>
+                <a:latin typeface="Consolas" panose="020B0609020204030204" pitchFamily="49" charset="0"/>
+              </a:rPr>
+            </a:br>
             <a:r>
               <a:rPr lang="en-IE" sz="1200" b="0" dirty="0">
                 <a:solidFill>
@@ -14518,7 +14594,7 @@
                 <a:effectLst/>
                 <a:latin typeface="Consolas" panose="020B0609020204030204" pitchFamily="49" charset="0"/>
               </a:rPr>
-              <a:t>import</a:t>
+              <a:t>export</a:t>
             </a:r>
             <a:r>
               <a:rPr lang="en-IE" sz="1200" b="0" dirty="0">
@@ -14531,8 +14607,241 @@
               <a:t> </a:t>
             </a:r>
             <a:r>
+              <a:rPr lang="en-IE" sz="1200" b="0" dirty="0">
+                <a:solidFill>
+                  <a:srgbClr val="C586C0"/>
+                </a:solidFill>
+                <a:effectLst/>
+                <a:latin typeface="Consolas" panose="020B0609020204030204" pitchFamily="49" charset="0"/>
+              </a:rPr>
+              <a:t>default</a:t>
+            </a:r>
+            <a:r>
+              <a:rPr lang="en-IE" sz="1200" b="0" dirty="0">
+                <a:solidFill>
+                  <a:srgbClr val="D4D4D4"/>
+                </a:solidFill>
+                <a:effectLst/>
+                <a:latin typeface="Consolas" panose="020B0609020204030204" pitchFamily="49" charset="0"/>
+              </a:rPr>
+              <a:t> </a:t>
+            </a:r>
+            <a:r>
+              <a:rPr lang="en-IE" sz="1200" b="0" dirty="0">
+                <a:solidFill>
+                  <a:srgbClr val="569CD6"/>
+                </a:solidFill>
+                <a:effectLst/>
+                <a:latin typeface="Consolas" panose="020B0609020204030204" pitchFamily="49" charset="0"/>
+              </a:rPr>
+              <a:t>class</a:t>
+            </a:r>
+            <a:r>
+              <a:rPr lang="en-IE" sz="1200" b="0" dirty="0">
+                <a:solidFill>
+                  <a:srgbClr val="D4D4D4"/>
+                </a:solidFill>
+                <a:effectLst/>
+                <a:latin typeface="Consolas" panose="020B0609020204030204" pitchFamily="49" charset="0"/>
+              </a:rPr>
+              <a:t> </a:t>
+            </a:r>
+            <a:r>
+              <a:rPr lang="en-IE" sz="1200" b="0" dirty="0">
+                <a:solidFill>
+                  <a:srgbClr val="569CD6"/>
+                </a:solidFill>
+                <a:effectLst/>
+                <a:latin typeface="Consolas" panose="020B0609020204030204" pitchFamily="49" charset="0"/>
+              </a:rPr>
+              <a:t>extends</a:t>
+            </a:r>
+            <a:r>
+              <a:rPr lang="en-IE" sz="1200" b="0" dirty="0">
+                <a:solidFill>
+                  <a:srgbClr val="D4D4D4"/>
+                </a:solidFill>
+                <a:effectLst/>
+                <a:latin typeface="Consolas" panose="020B0609020204030204" pitchFamily="49" charset="0"/>
+              </a:rPr>
+              <a:t> </a:t>
+            </a:r>
+            <a:r>
+              <a:rPr lang="en-IE" sz="1200" b="0" dirty="0">
+                <a:solidFill>
+                  <a:srgbClr val="4EC9B0"/>
+                </a:solidFill>
+                <a:effectLst/>
+                <a:latin typeface="Consolas" panose="020B0609020204030204" pitchFamily="49" charset="0"/>
+              </a:rPr>
+              <a:t>Authenticator</a:t>
+            </a:r>
+            <a:r>
+              <a:rPr lang="en-IE" sz="1200" b="0" dirty="0">
+                <a:solidFill>
+                  <a:srgbClr val="D4D4D4"/>
+                </a:solidFill>
+                <a:effectLst/>
+                <a:latin typeface="Consolas" panose="020B0609020204030204" pitchFamily="49" charset="0"/>
+              </a:rPr>
+              <a:t> {</a:t>
+            </a:r>
+          </a:p>
+          <a:p>
+            <a:br>
+              <a:rPr lang="en-IE" sz="1200" b="0" dirty="0">
+                <a:solidFill>
+                  <a:srgbClr val="D4D4D4"/>
+                </a:solidFill>
+                <a:effectLst/>
+                <a:latin typeface="Consolas" panose="020B0609020204030204" pitchFamily="49" charset="0"/>
+              </a:rPr>
+            </a:br>
+            <a:r>
+              <a:rPr lang="en-IE" sz="1200" b="0" dirty="0">
+                <a:solidFill>
+                  <a:srgbClr val="D4D4D4"/>
+                </a:solidFill>
+                <a:effectLst/>
+                <a:latin typeface="Consolas" panose="020B0609020204030204" pitchFamily="49" charset="0"/>
+              </a:rPr>
+              <a:t>    </a:t>
+            </a:r>
+            <a:r>
+              <a:rPr lang="en-IE" sz="1200" b="0" dirty="0">
+                <a:solidFill>
+                  <a:srgbClr val="569CD6"/>
+                </a:solidFill>
+                <a:effectLst/>
+                <a:latin typeface="Consolas" panose="020B0609020204030204" pitchFamily="49" charset="0"/>
+              </a:rPr>
+              <a:t>async</a:t>
+            </a:r>
+            <a:r>
+              <a:rPr lang="en-IE" sz="1200" b="0" dirty="0">
+                <a:solidFill>
+                  <a:srgbClr val="D4D4D4"/>
+                </a:solidFill>
+                <a:effectLst/>
+                <a:latin typeface="Consolas" panose="020B0609020204030204" pitchFamily="49" charset="0"/>
+              </a:rPr>
+              <a:t> </a:t>
+            </a:r>
+            <a:r>
+              <a:rPr lang="en-IE" sz="1200" b="0" dirty="0">
+                <a:solidFill>
+                  <a:srgbClr val="DCDCAA"/>
+                </a:solidFill>
+                <a:effectLst/>
+                <a:latin typeface="Consolas" panose="020B0609020204030204" pitchFamily="49" charset="0"/>
+              </a:rPr>
+              <a:t>encrypt</a:t>
+            </a:r>
+            <a:r>
+              <a:rPr lang="en-IE" sz="1200" b="0" dirty="0">
+                <a:solidFill>
+                  <a:srgbClr val="D4D4D4"/>
+                </a:solidFill>
+                <a:effectLst/>
+                <a:latin typeface="Consolas" panose="020B0609020204030204" pitchFamily="49" charset="0"/>
+              </a:rPr>
+              <a:t>(</a:t>
+            </a:r>
+            <a:r>
+              <a:rPr lang="en-IE" sz="1200" b="0" dirty="0">
+                <a:solidFill>
+                  <a:srgbClr val="9CDCFE"/>
+                </a:solidFill>
+                <a:effectLst/>
+                <a:latin typeface="Consolas" panose="020B0609020204030204" pitchFamily="49" charset="0"/>
+              </a:rPr>
+              <a:t>password</a:t>
+            </a:r>
+            <a:r>
+              <a:rPr lang="en-IE" sz="1200" b="0" dirty="0">
+                <a:solidFill>
+                  <a:srgbClr val="D4D4D4"/>
+                </a:solidFill>
+                <a:effectLst/>
+                <a:latin typeface="Consolas" panose="020B0609020204030204" pitchFamily="49" charset="0"/>
+              </a:rPr>
+              <a:t>) {</a:t>
+            </a:r>
+          </a:p>
+          <a:p>
+            <a:r>
+              <a:rPr lang="en-IE" sz="1200" b="0" dirty="0">
+                <a:solidFill>
+                  <a:srgbClr val="D4D4D4"/>
+                </a:solidFill>
+                <a:effectLst/>
+                <a:latin typeface="Consolas" panose="020B0609020204030204" pitchFamily="49" charset="0"/>
+              </a:rPr>
+              <a:t>        </a:t>
+            </a:r>
+            <a:r>
               <a:rPr lang="en-IE" sz="1200" b="0" dirty="0" err="1">
                 <a:solidFill>
+                  <a:srgbClr val="569CD6"/>
+                </a:solidFill>
+                <a:effectLst/>
+                <a:latin typeface="Consolas" panose="020B0609020204030204" pitchFamily="49" charset="0"/>
+              </a:rPr>
+              <a:t>const</a:t>
+            </a:r>
+            <a:r>
+              <a:rPr lang="en-IE" sz="1200" b="0" dirty="0">
+                <a:solidFill>
+                  <a:srgbClr val="D4D4D4"/>
+                </a:solidFill>
+                <a:effectLst/>
+                <a:latin typeface="Consolas" panose="020B0609020204030204" pitchFamily="49" charset="0"/>
+              </a:rPr>
+              <a:t> </a:t>
+            </a:r>
+            <a:r>
+              <a:rPr lang="en-IE" sz="1200" b="0" dirty="0">
+                <a:solidFill>
+                  <a:srgbClr val="4FC1FF"/>
+                </a:solidFill>
+                <a:effectLst/>
+                <a:latin typeface="Consolas" panose="020B0609020204030204" pitchFamily="49" charset="0"/>
+              </a:rPr>
+              <a:t>salt</a:t>
+            </a:r>
+            <a:r>
+              <a:rPr lang="en-IE" sz="1200" b="0" dirty="0">
+                <a:solidFill>
+                  <a:srgbClr val="D4D4D4"/>
+                </a:solidFill>
+                <a:effectLst/>
+                <a:latin typeface="Consolas" panose="020B0609020204030204" pitchFamily="49" charset="0"/>
+              </a:rPr>
+              <a:t> = </a:t>
+            </a:r>
+            <a:r>
+              <a:rPr lang="en-IE" sz="1200" b="0" dirty="0">
+                <a:solidFill>
+                  <a:srgbClr val="C586C0"/>
+                </a:solidFill>
+                <a:effectLst/>
+                <a:latin typeface="Consolas" panose="020B0609020204030204" pitchFamily="49" charset="0"/>
+              </a:rPr>
+              <a:t>await</a:t>
+            </a:r>
+            <a:r>
+              <a:rPr lang="en-IE" sz="1200" b="0" dirty="0">
+                <a:solidFill>
+                  <a:srgbClr val="D4D4D4"/>
+                </a:solidFill>
+                <a:effectLst/>
+                <a:latin typeface="Consolas" panose="020B0609020204030204" pitchFamily="49" charset="0"/>
+              </a:rPr>
+              <a:t> </a:t>
+            </a:r>
+            <a:r>
+              <a:rPr lang="en-IE" sz="1200" b="0" dirty="0" err="1">
+                <a:solidFill>
                   <a:srgbClr val="9CDCFE"/>
                 </a:solidFill>
                 <a:effectLst/>
@@ -14541,14 +14850,66 @@
               <a:t>bcrypt</a:t>
             </a:r>
             <a:r>
-              <a:rPr lang="en-IE" sz="1200" b="0" dirty="0">
+              <a:rPr lang="en-IE" sz="1200" b="0" dirty="0" err="1">
                 <a:solidFill>
                   <a:srgbClr val="D4D4D4"/>
                 </a:solidFill>
                 <a:effectLst/>
                 <a:latin typeface="Consolas" panose="020B0609020204030204" pitchFamily="49" charset="0"/>
               </a:rPr>
-              <a:t> </a:t>
+              <a:t>.</a:t>
+            </a:r>
+            <a:r>
+              <a:rPr lang="en-IE" sz="1200" b="0" dirty="0" err="1">
+                <a:solidFill>
+                  <a:srgbClr val="DCDCAA"/>
+                </a:solidFill>
+                <a:effectLst/>
+                <a:latin typeface="Consolas" panose="020B0609020204030204" pitchFamily="49" charset="0"/>
+              </a:rPr>
+              <a:t>genSalt</a:t>
+            </a:r>
+            <a:r>
+              <a:rPr lang="en-IE" sz="1200" b="0" dirty="0">
+                <a:solidFill>
+                  <a:srgbClr val="D4D4D4"/>
+                </a:solidFill>
+                <a:effectLst/>
+                <a:latin typeface="Consolas" panose="020B0609020204030204" pitchFamily="49" charset="0"/>
+              </a:rPr>
+              <a:t>(</a:t>
+            </a:r>
+            <a:r>
+              <a:rPr lang="en-IE" sz="1200" b="0" dirty="0">
+                <a:solidFill>
+                  <a:srgbClr val="B5CEA8"/>
+                </a:solidFill>
+                <a:effectLst/>
+                <a:latin typeface="Consolas" panose="020B0609020204030204" pitchFamily="49" charset="0"/>
+              </a:rPr>
+              <a:t>10</a:t>
+            </a:r>
+            <a:r>
+              <a:rPr lang="en-IE" sz="1200" b="0" dirty="0">
+                <a:solidFill>
+                  <a:srgbClr val="D4D4D4"/>
+                </a:solidFill>
+                <a:effectLst/>
+                <a:latin typeface="Consolas" panose="020B0609020204030204" pitchFamily="49" charset="0"/>
+              </a:rPr>
+              <a:t>);</a:t>
+            </a:r>
+          </a:p>
+          <a:p>
+            <a:r>
+              <a:rPr lang="en-IE" sz="1200" b="0" dirty="0">
+                <a:solidFill>
+                  <a:srgbClr val="D4D4D4"/>
+                </a:solidFill>
+                <a:effectLst/>
+                <a:latin typeface="Consolas" panose="020B0609020204030204" pitchFamily="49" charset="0"/>
+              </a:rPr>
+              <a:t>        </a:t>
             </a:r>
             <a:r>
               <a:rPr lang="en-IE" sz="1200" b="0" dirty="0">
@@ -14558,408 +14919,12 @@
                 <a:effectLst/>
                 <a:latin typeface="Consolas" panose="020B0609020204030204" pitchFamily="49" charset="0"/>
               </a:rPr>
-              <a:t>from</a:t>
+              <a:t>return</a:t>
             </a:r>
             <a:r>
               <a:rPr lang="en-IE" sz="1200" b="0" dirty="0">
                 <a:solidFill>
                   <a:srgbClr val="D4D4D4"/>
-                </a:solidFill>
-                <a:effectLst/>
-                <a:latin typeface="Consolas" panose="020B0609020204030204" pitchFamily="49" charset="0"/>
-              </a:rPr>
-              <a:t> </a:t>
-            </a:r>
-            <a:r>
-              <a:rPr lang="en-IE" sz="1200" b="0" dirty="0">
-                <a:solidFill>
-                  <a:srgbClr val="CE9178"/>
-                </a:solidFill>
-                <a:effectLst/>
-                <a:latin typeface="Consolas" panose="020B0609020204030204" pitchFamily="49" charset="0"/>
-              </a:rPr>
-              <a:t>'</a:t>
-            </a:r>
-            <a:r>
-              <a:rPr lang="en-IE" sz="1200" b="0" dirty="0" err="1">
-                <a:solidFill>
-                  <a:srgbClr val="CE9178"/>
-                </a:solidFill>
-                <a:effectLst/>
-                <a:latin typeface="Consolas" panose="020B0609020204030204" pitchFamily="49" charset="0"/>
-              </a:rPr>
-              <a:t>bcryptjs</a:t>
-            </a:r>
-            <a:r>
-              <a:rPr lang="en-IE" sz="1200" b="0" dirty="0">
-                <a:solidFill>
-                  <a:srgbClr val="CE9178"/>
-                </a:solidFill>
-                <a:effectLst/>
-                <a:latin typeface="Consolas" panose="020B0609020204030204" pitchFamily="49" charset="0"/>
-              </a:rPr>
-              <a:t>'</a:t>
-            </a:r>
-            <a:r>
-              <a:rPr lang="en-IE" sz="1200" b="0" dirty="0">
-                <a:solidFill>
-                  <a:srgbClr val="D4D4D4"/>
-                </a:solidFill>
-                <a:effectLst/>
-                <a:latin typeface="Consolas" panose="020B0609020204030204" pitchFamily="49" charset="0"/>
-              </a:rPr>
-              <a:t>;</a:t>
-            </a:r>
-          </a:p>
-          <a:p>
-            <a:br>
-              <a:rPr lang="en-IE" sz="1200" b="0" dirty="0">
-                <a:solidFill>
-                  <a:srgbClr val="D4D4D4"/>
-                </a:solidFill>
-                <a:effectLst/>
-                <a:latin typeface="Consolas" panose="020B0609020204030204" pitchFamily="49" charset="0"/>
-              </a:rPr>
-            </a:br>
-            <a:r>
-              <a:rPr lang="en-IE" sz="1200" b="0" dirty="0">
-                <a:solidFill>
-                  <a:srgbClr val="C586C0"/>
-                </a:solidFill>
-                <a:effectLst/>
-                <a:latin typeface="Consolas" panose="020B0609020204030204" pitchFamily="49" charset="0"/>
-              </a:rPr>
-              <a:t>export</a:t>
-            </a:r>
-            <a:r>
-              <a:rPr lang="en-IE" sz="1200" b="0" dirty="0">
-                <a:solidFill>
-                  <a:srgbClr val="D4D4D4"/>
-                </a:solidFill>
-                <a:effectLst/>
-                <a:latin typeface="Consolas" panose="020B0609020204030204" pitchFamily="49" charset="0"/>
-              </a:rPr>
-              <a:t> </a:t>
-            </a:r>
-            <a:r>
-              <a:rPr lang="en-IE" sz="1200" b="0" dirty="0">
-                <a:solidFill>
-                  <a:srgbClr val="C586C0"/>
-                </a:solidFill>
-                <a:effectLst/>
-                <a:latin typeface="Consolas" panose="020B0609020204030204" pitchFamily="49" charset="0"/>
-              </a:rPr>
-              <a:t>default</a:t>
-            </a:r>
-            <a:r>
-              <a:rPr lang="en-IE" sz="1200" b="0" dirty="0">
-                <a:solidFill>
-                  <a:srgbClr val="D4D4D4"/>
-                </a:solidFill>
-                <a:effectLst/>
-                <a:latin typeface="Consolas" panose="020B0609020204030204" pitchFamily="49" charset="0"/>
-              </a:rPr>
-              <a:t> </a:t>
-            </a:r>
-            <a:r>
-              <a:rPr lang="en-IE" sz="1200" b="0" dirty="0">
-                <a:solidFill>
-                  <a:srgbClr val="569CD6"/>
-                </a:solidFill>
-                <a:effectLst/>
-                <a:latin typeface="Consolas" panose="020B0609020204030204" pitchFamily="49" charset="0"/>
-              </a:rPr>
-              <a:t>class</a:t>
-            </a:r>
-            <a:r>
-              <a:rPr lang="en-IE" sz="1200" b="0" dirty="0">
-                <a:solidFill>
-                  <a:srgbClr val="D4D4D4"/>
-                </a:solidFill>
-                <a:effectLst/>
-                <a:latin typeface="Consolas" panose="020B0609020204030204" pitchFamily="49" charset="0"/>
-              </a:rPr>
-              <a:t> </a:t>
-            </a:r>
-            <a:r>
-              <a:rPr lang="en-IE" sz="1200" b="0" dirty="0">
-                <a:solidFill>
-                  <a:srgbClr val="569CD6"/>
-                </a:solidFill>
-                <a:effectLst/>
-                <a:latin typeface="Consolas" panose="020B0609020204030204" pitchFamily="49" charset="0"/>
-              </a:rPr>
-              <a:t>extends</a:t>
-            </a:r>
-            <a:r>
-              <a:rPr lang="en-IE" sz="1200" b="0" dirty="0">
-                <a:solidFill>
-                  <a:srgbClr val="D4D4D4"/>
-                </a:solidFill>
-                <a:effectLst/>
-                <a:latin typeface="Consolas" panose="020B0609020204030204" pitchFamily="49" charset="0"/>
-              </a:rPr>
-              <a:t> </a:t>
-            </a:r>
-            <a:r>
-              <a:rPr lang="en-IE" sz="1200" b="0" dirty="0" err="1">
-                <a:solidFill>
-                  <a:srgbClr val="4EC9B0"/>
-                </a:solidFill>
-                <a:effectLst/>
-                <a:latin typeface="Consolas" panose="020B0609020204030204" pitchFamily="49" charset="0"/>
-              </a:rPr>
-              <a:t>EncryptionService</a:t>
-            </a:r>
-            <a:r>
-              <a:rPr lang="en-IE" sz="1200" b="0" dirty="0">
-                <a:solidFill>
-                  <a:srgbClr val="D4D4D4"/>
-                </a:solidFill>
-                <a:effectLst/>
-                <a:latin typeface="Consolas" panose="020B0609020204030204" pitchFamily="49" charset="0"/>
-              </a:rPr>
-              <a:t> {</a:t>
-            </a:r>
-          </a:p>
-          <a:p>
-            <a:br>
-              <a:rPr lang="en-IE" sz="1200" b="0" dirty="0">
-                <a:solidFill>
-                  <a:srgbClr val="D4D4D4"/>
-                </a:solidFill>
-                <a:effectLst/>
-                <a:latin typeface="Consolas" panose="020B0609020204030204" pitchFamily="49" charset="0"/>
-              </a:rPr>
-            </a:br>
-            <a:r>
-              <a:rPr lang="en-IE" sz="1200" b="0" dirty="0">
-                <a:solidFill>
-                  <a:srgbClr val="D4D4D4"/>
-                </a:solidFill>
-                <a:effectLst/>
-                <a:latin typeface="Consolas" panose="020B0609020204030204" pitchFamily="49" charset="0"/>
-              </a:rPr>
-              <a:t>    </a:t>
-            </a:r>
-            <a:r>
-              <a:rPr lang="en-IE" sz="1200" b="0" dirty="0">
-                <a:solidFill>
-                  <a:srgbClr val="569CD6"/>
-                </a:solidFill>
-                <a:effectLst/>
-                <a:latin typeface="Consolas" panose="020B0609020204030204" pitchFamily="49" charset="0"/>
-              </a:rPr>
-              <a:t>async</a:t>
-            </a:r>
-            <a:r>
-              <a:rPr lang="en-IE" sz="1200" b="0" dirty="0">
-                <a:solidFill>
-                  <a:srgbClr val="D4D4D4"/>
-                </a:solidFill>
-                <a:effectLst/>
-                <a:latin typeface="Consolas" panose="020B0609020204030204" pitchFamily="49" charset="0"/>
-              </a:rPr>
-              <a:t> </a:t>
-            </a:r>
-            <a:r>
-              <a:rPr lang="en-IE" sz="1200" b="0" dirty="0">
-                <a:solidFill>
-                  <a:srgbClr val="DCDCAA"/>
-                </a:solidFill>
-                <a:effectLst/>
-                <a:latin typeface="Consolas" panose="020B0609020204030204" pitchFamily="49" charset="0"/>
-              </a:rPr>
-              <a:t>encrypt</a:t>
-            </a:r>
-            <a:r>
-              <a:rPr lang="en-IE" sz="1200" b="0" dirty="0">
-                <a:solidFill>
-                  <a:srgbClr val="D4D4D4"/>
-                </a:solidFill>
-                <a:effectLst/>
-                <a:latin typeface="Consolas" panose="020B0609020204030204" pitchFamily="49" charset="0"/>
-              </a:rPr>
-              <a:t>(</a:t>
-            </a:r>
-            <a:r>
-              <a:rPr lang="en-IE" sz="1200" b="0" dirty="0">
-                <a:solidFill>
-                  <a:srgbClr val="9CDCFE"/>
-                </a:solidFill>
-                <a:effectLst/>
-                <a:latin typeface="Consolas" panose="020B0609020204030204" pitchFamily="49" charset="0"/>
-              </a:rPr>
-              <a:t>password</a:t>
-            </a:r>
-            <a:r>
-              <a:rPr lang="en-IE" sz="1200" b="0" dirty="0">
-                <a:solidFill>
-                  <a:srgbClr val="D4D4D4"/>
-                </a:solidFill>
-                <a:effectLst/>
-                <a:latin typeface="Consolas" panose="020B0609020204030204" pitchFamily="49" charset="0"/>
-              </a:rPr>
-              <a:t>) {</a:t>
-            </a:r>
-          </a:p>
-          <a:p>
-            <a:r>
-              <a:rPr lang="en-IE" sz="1200" b="0" dirty="0">
-                <a:solidFill>
-                  <a:srgbClr val="D4D4D4"/>
-                </a:solidFill>
-                <a:effectLst/>
-                <a:latin typeface="Consolas" panose="020B0609020204030204" pitchFamily="49" charset="0"/>
-              </a:rPr>
-              <a:t>        </a:t>
-            </a:r>
-            <a:r>
-              <a:rPr lang="en-IE" sz="1200" b="0" dirty="0" err="1">
-                <a:solidFill>
-                  <a:srgbClr val="569CD6"/>
-                </a:solidFill>
-                <a:effectLst/>
-                <a:latin typeface="Consolas" panose="020B0609020204030204" pitchFamily="49" charset="0"/>
-              </a:rPr>
-              <a:t>const</a:t>
-            </a:r>
-            <a:r>
-              <a:rPr lang="en-IE" sz="1200" b="0" dirty="0">
-                <a:solidFill>
-                  <a:srgbClr val="D4D4D4"/>
-                </a:solidFill>
-                <a:effectLst/>
-                <a:latin typeface="Consolas" panose="020B0609020204030204" pitchFamily="49" charset="0"/>
-              </a:rPr>
-              <a:t> </a:t>
-            </a:r>
-            <a:r>
-              <a:rPr lang="en-IE" sz="1200" b="0" dirty="0">
-                <a:solidFill>
-                  <a:srgbClr val="4FC1FF"/>
-                </a:solidFill>
-                <a:effectLst/>
-                <a:latin typeface="Consolas" panose="020B0609020204030204" pitchFamily="49" charset="0"/>
-              </a:rPr>
-              <a:t>salt</a:t>
-            </a:r>
-            <a:r>
-              <a:rPr lang="en-IE" sz="1200" b="0" dirty="0">
-                <a:solidFill>
-                  <a:srgbClr val="D4D4D4"/>
-                </a:solidFill>
-                <a:effectLst/>
-                <a:latin typeface="Consolas" panose="020B0609020204030204" pitchFamily="49" charset="0"/>
-              </a:rPr>
-              <a:t> = </a:t>
-            </a:r>
-            <a:r>
-              <a:rPr lang="en-IE" sz="1200" b="0" dirty="0">
-                <a:solidFill>
-                  <a:srgbClr val="C586C0"/>
-                </a:solidFill>
-                <a:effectLst/>
-                <a:latin typeface="Consolas" panose="020B0609020204030204" pitchFamily="49" charset="0"/>
-              </a:rPr>
-              <a:t>await</a:t>
-            </a:r>
-            <a:r>
-              <a:rPr lang="en-IE" sz="1200" b="0" dirty="0">
-                <a:solidFill>
-                  <a:srgbClr val="9CDCFE"/>
-                </a:solidFill>
-                <a:effectLst/>
-                <a:latin typeface="Consolas" panose="020B0609020204030204" pitchFamily="49" charset="0"/>
-              </a:rPr>
-              <a:t> </a:t>
-            </a:r>
-            <a:r>
-              <a:rPr lang="en-IE" sz="1200" b="0" dirty="0" err="1">
-                <a:solidFill>
-                  <a:srgbClr val="9CDCFE"/>
-                </a:solidFill>
-                <a:effectLst/>
-                <a:latin typeface="Consolas" panose="020B0609020204030204" pitchFamily="49" charset="0"/>
-              </a:rPr>
-              <a:t>bcrypt</a:t>
-            </a:r>
-            <a:r>
-              <a:rPr lang="en-IE" sz="1200" b="0" dirty="0" err="1">
-                <a:solidFill>
-                  <a:srgbClr val="D4D4D4"/>
-                </a:solidFill>
-                <a:effectLst/>
-                <a:latin typeface="Consolas" panose="020B0609020204030204" pitchFamily="49" charset="0"/>
-              </a:rPr>
-              <a:t>.</a:t>
-            </a:r>
-            <a:r>
-              <a:rPr lang="en-IE" sz="1200" b="0" dirty="0" err="1">
-                <a:solidFill>
-                  <a:srgbClr val="DCDCAA"/>
-                </a:solidFill>
-                <a:effectLst/>
-                <a:latin typeface="Consolas" panose="020B0609020204030204" pitchFamily="49" charset="0"/>
-              </a:rPr>
-              <a:t>genSalt</a:t>
-            </a:r>
-            <a:r>
-              <a:rPr lang="en-IE" sz="1200" b="0" dirty="0">
-                <a:solidFill>
-                  <a:srgbClr val="D4D4D4"/>
-                </a:solidFill>
-                <a:effectLst/>
-                <a:latin typeface="Consolas" panose="020B0609020204030204" pitchFamily="49" charset="0"/>
-              </a:rPr>
-              <a:t>(</a:t>
-            </a:r>
-            <a:r>
-              <a:rPr lang="en-IE" sz="1200" b="0" dirty="0">
-                <a:solidFill>
-                  <a:srgbClr val="B5CEA8"/>
-                </a:solidFill>
-                <a:effectLst/>
-                <a:latin typeface="Consolas" panose="020B0609020204030204" pitchFamily="49" charset="0"/>
-              </a:rPr>
-              <a:t>10</a:t>
-            </a:r>
-            <a:r>
-              <a:rPr lang="en-IE" sz="1200" b="0" dirty="0">
-                <a:solidFill>
-                  <a:srgbClr val="D4D4D4"/>
-                </a:solidFill>
-                <a:effectLst/>
-                <a:latin typeface="Consolas" panose="020B0609020204030204" pitchFamily="49" charset="0"/>
-              </a:rPr>
-              <a:t>);</a:t>
-            </a:r>
-          </a:p>
-          <a:p>
-            <a:r>
-              <a:rPr lang="en-IE" sz="1200" b="0" dirty="0">
-                <a:solidFill>
-                  <a:srgbClr val="D4D4D4"/>
-                </a:solidFill>
-                <a:effectLst/>
-                <a:latin typeface="Consolas" panose="020B0609020204030204" pitchFamily="49" charset="0"/>
-              </a:rPr>
-              <a:t>        </a:t>
-            </a:r>
-            <a:r>
-              <a:rPr lang="en-IE" sz="1200" b="0" dirty="0">
-                <a:solidFill>
-                  <a:srgbClr val="C586C0"/>
-                </a:solidFill>
-                <a:effectLst/>
-                <a:latin typeface="Consolas" panose="020B0609020204030204" pitchFamily="49" charset="0"/>
-              </a:rPr>
-              <a:t>return</a:t>
-            </a:r>
-            <a:r>
-              <a:rPr lang="en-IE" sz="1200" b="0" dirty="0">
-                <a:solidFill>
-                  <a:srgbClr val="9CDCFE"/>
                 </a:solidFill>
                 <a:effectLst/>
                 <a:latin typeface="Consolas" panose="020B0609020204030204" pitchFamily="49" charset="0"/>
@@ -15285,43 +15250,199 @@
             <a:r>
               <a:rPr lang="en-IE" sz="1200" b="0" dirty="0">
                 <a:solidFill>
+                  <a:srgbClr val="D4D4D4"/>
+                </a:solidFill>
+                <a:effectLst/>
+                <a:latin typeface="Consolas" panose="020B0609020204030204" pitchFamily="49" charset="0"/>
+              </a:rPr>
+              <a:t> </a:t>
+            </a:r>
+            <a:r>
+              <a:rPr lang="en-IE" sz="1200" b="0" dirty="0" err="1">
+                <a:solidFill>
                   <a:srgbClr val="9CDCFE"/>
                 </a:solidFill>
                 <a:effectLst/>
                 <a:latin typeface="Consolas" panose="020B0609020204030204" pitchFamily="49" charset="0"/>
               </a:rPr>
+              <a:t>bcrypt</a:t>
+            </a:r>
+            <a:r>
+              <a:rPr lang="en-IE" sz="1200" b="0" dirty="0" err="1">
+                <a:solidFill>
+                  <a:srgbClr val="D4D4D4"/>
+                </a:solidFill>
+                <a:effectLst/>
+                <a:latin typeface="Consolas" panose="020B0609020204030204" pitchFamily="49" charset="0"/>
+              </a:rPr>
+              <a:t>.</a:t>
+            </a:r>
+            <a:r>
+              <a:rPr lang="en-IE" sz="1200" b="0" dirty="0" err="1">
+                <a:solidFill>
+                  <a:srgbClr val="DCDCAA"/>
+                </a:solidFill>
+                <a:effectLst/>
+                <a:latin typeface="Consolas" panose="020B0609020204030204" pitchFamily="49" charset="0"/>
+              </a:rPr>
+              <a:t>compare</a:t>
+            </a:r>
+            <a:r>
+              <a:rPr lang="en-IE" sz="1200" b="0" dirty="0">
+                <a:solidFill>
+                  <a:srgbClr val="D4D4D4"/>
+                </a:solidFill>
+                <a:effectLst/>
+                <a:latin typeface="Consolas" panose="020B0609020204030204" pitchFamily="49" charset="0"/>
+              </a:rPr>
+              <a:t>(</a:t>
+            </a:r>
+            <a:r>
+              <a:rPr lang="en-IE" sz="1200" b="0" dirty="0">
+                <a:solidFill>
+                  <a:srgbClr val="9CDCFE"/>
+                </a:solidFill>
+                <a:effectLst/>
+                <a:latin typeface="Consolas" panose="020B0609020204030204" pitchFamily="49" charset="0"/>
+              </a:rPr>
+              <a:t>password</a:t>
+            </a:r>
+            <a:r>
+              <a:rPr lang="en-IE" sz="1200" b="0" dirty="0">
+                <a:solidFill>
+                  <a:srgbClr val="D4D4D4"/>
+                </a:solidFill>
+                <a:effectLst/>
+                <a:latin typeface="Consolas" panose="020B0609020204030204" pitchFamily="49" charset="0"/>
+              </a:rPr>
+              <a:t>, </a:t>
+            </a:r>
+            <a:r>
+              <a:rPr lang="en-IE" sz="1200" b="0" dirty="0" err="1">
+                <a:solidFill>
+                  <a:srgbClr val="9CDCFE"/>
+                </a:solidFill>
+                <a:effectLst/>
+                <a:latin typeface="Consolas" panose="020B0609020204030204" pitchFamily="49" charset="0"/>
+              </a:rPr>
+              <a:t>encryptedPassword</a:t>
+            </a:r>
+            <a:r>
+              <a:rPr lang="en-IE" sz="1200" b="0" dirty="0">
+                <a:solidFill>
+                  <a:srgbClr val="D4D4D4"/>
+                </a:solidFill>
+                <a:effectLst/>
+                <a:latin typeface="Consolas" panose="020B0609020204030204" pitchFamily="49" charset="0"/>
+              </a:rPr>
+              <a:t>);</a:t>
+            </a:r>
+          </a:p>
+          <a:p>
+            <a:r>
+              <a:rPr lang="en-IE" sz="1200" b="0" dirty="0">
+                <a:solidFill>
+                  <a:srgbClr val="D4D4D4"/>
+                </a:solidFill>
+                <a:effectLst/>
+                <a:latin typeface="Consolas" panose="020B0609020204030204" pitchFamily="49" charset="0"/>
+              </a:rPr>
+              <a:t>            </a:t>
+            </a:r>
+            <a:r>
+              <a:rPr lang="en-IE" sz="1200" b="0" dirty="0">
+                <a:solidFill>
+                  <a:srgbClr val="C586C0"/>
+                </a:solidFill>
+                <a:effectLst/>
+                <a:latin typeface="Consolas" panose="020B0609020204030204" pitchFamily="49" charset="0"/>
+              </a:rPr>
+              <a:t>return</a:t>
+            </a:r>
+            <a:r>
+              <a:rPr lang="en-IE" sz="1200" b="0" dirty="0">
+                <a:solidFill>
+                  <a:srgbClr val="D4D4D4"/>
+                </a:solidFill>
+                <a:effectLst/>
+                <a:latin typeface="Consolas" panose="020B0609020204030204" pitchFamily="49" charset="0"/>
+              </a:rPr>
               <a:t> </a:t>
             </a:r>
             <a:r>
-              <a:rPr lang="en-IE" sz="1200" b="0" dirty="0" err="1">
+              <a:rPr lang="en-IE" sz="1200" b="0" dirty="0">
+                <a:solidFill>
+                  <a:srgbClr val="4FC1FF"/>
+                </a:solidFill>
+                <a:effectLst/>
+                <a:latin typeface="Consolas" panose="020B0609020204030204" pitchFamily="49" charset="0"/>
+              </a:rPr>
+              <a:t>result</a:t>
+            </a:r>
+            <a:r>
+              <a:rPr lang="en-IE" sz="1200" b="0" dirty="0">
+                <a:solidFill>
+                  <a:srgbClr val="D4D4D4"/>
+                </a:solidFill>
+                <a:effectLst/>
+                <a:latin typeface="Consolas" panose="020B0609020204030204" pitchFamily="49" charset="0"/>
+              </a:rPr>
+              <a:t>;</a:t>
+            </a:r>
+          </a:p>
+          <a:p>
+            <a:r>
+              <a:rPr lang="en-IE" sz="1200" b="0" dirty="0">
+                <a:solidFill>
+                  <a:srgbClr val="D4D4D4"/>
+                </a:solidFill>
+                <a:effectLst/>
+                <a:latin typeface="Consolas" panose="020B0609020204030204" pitchFamily="49" charset="0"/>
+              </a:rPr>
+              <a:t>        } </a:t>
+            </a:r>
+            <a:r>
+              <a:rPr lang="en-IE" sz="1200" b="0" dirty="0">
+                <a:solidFill>
+                  <a:srgbClr val="C586C0"/>
+                </a:solidFill>
+                <a:effectLst/>
+                <a:latin typeface="Consolas" panose="020B0609020204030204" pitchFamily="49" charset="0"/>
+              </a:rPr>
+              <a:t>catch</a:t>
+            </a:r>
+            <a:r>
+              <a:rPr lang="en-IE" sz="1200" b="0" dirty="0">
+                <a:solidFill>
+                  <a:srgbClr val="D4D4D4"/>
+                </a:solidFill>
+                <a:effectLst/>
+                <a:latin typeface="Consolas" panose="020B0609020204030204" pitchFamily="49" charset="0"/>
+              </a:rPr>
+              <a:t> (</a:t>
+            </a:r>
+            <a:r>
+              <a:rPr lang="en-IE" sz="1200" b="0" dirty="0">
                 <a:solidFill>
                   <a:srgbClr val="9CDCFE"/>
                 </a:solidFill>
                 <a:effectLst/>
                 <a:latin typeface="Consolas" panose="020B0609020204030204" pitchFamily="49" charset="0"/>
               </a:rPr>
-              <a:t>bcrypt</a:t>
-            </a:r>
-            <a:r>
-              <a:rPr lang="en-IE" sz="1200" b="0" dirty="0" err="1">
+              <a:t>error</a:t>
+            </a:r>
+            <a:r>
+              <a:rPr lang="en-IE" sz="1200" b="0" dirty="0">
                 <a:solidFill>
                   <a:srgbClr val="D4D4D4"/>
                 </a:solidFill>
                 <a:effectLst/>
                 <a:latin typeface="Consolas" panose="020B0609020204030204" pitchFamily="49" charset="0"/>
               </a:rPr>
-              <a:t>.</a:t>
-            </a:r>
-            <a:r>
-              <a:rPr lang="en-IE" sz="1200" b="0" dirty="0" err="1">
-                <a:solidFill>
-                  <a:srgbClr val="DCDCAA"/>
-                </a:solidFill>
-                <a:effectLst/>
-                <a:latin typeface="Consolas" panose="020B0609020204030204" pitchFamily="49" charset="0"/>
-              </a:rPr>
-              <a:t>compare</a:t>
-            </a:r>
+              <a:t>) {</a:t>
+            </a:r>
+          </a:p>
+          <a:p>
             <a:r>
               <a:rPr lang="en-IE" sz="1200" b="0" dirty="0">
                 <a:solidFill>
@@ -15330,17 +15451,17 @@
                 <a:effectLst/>
                 <a:latin typeface="Consolas" panose="020B0609020204030204" pitchFamily="49" charset="0"/>
               </a:rPr>
-              <a:t>(</a:t>
-            </a:r>
-            <a:r>
-              <a:rPr lang="en-IE" sz="1200" b="0" dirty="0">
-                <a:solidFill>
-                  <a:srgbClr val="9CDCFE"/>
-                </a:solidFill>
-                <a:effectLst/>
-                <a:latin typeface="Consolas" panose="020B0609020204030204" pitchFamily="49" charset="0"/>
-              </a:rPr>
-              <a:t>password</a:t>
+              <a:t>            </a:t>
+            </a:r>
+            <a:r>
+              <a:rPr lang="en-IE" sz="1200" b="0" dirty="0">
+                <a:solidFill>
+                  <a:srgbClr val="C586C0"/>
+                </a:solidFill>
+                <a:effectLst/>
+                <a:latin typeface="Consolas" panose="020B0609020204030204" pitchFamily="49" charset="0"/>
+              </a:rPr>
+              <a:t>return</a:t>
             </a:r>
             <a:r>
               <a:rPr lang="en-IE" sz="1200" b="0" dirty="0">
@@ -15350,17 +15471,17 @@
                 <a:effectLst/>
                 <a:latin typeface="Consolas" panose="020B0609020204030204" pitchFamily="49" charset="0"/>
               </a:rPr>
-              <a:t>, </a:t>
-            </a:r>
-            <a:r>
-              <a:rPr lang="en-IE" sz="1200" b="0" dirty="0" err="1">
-                <a:solidFill>
-                  <a:srgbClr val="9CDCFE"/>
-                </a:solidFill>
-                <a:effectLst/>
-                <a:latin typeface="Consolas" panose="020B0609020204030204" pitchFamily="49" charset="0"/>
-              </a:rPr>
-              <a:t>encryptedPassword</a:t>
+              <a:t> </a:t>
+            </a:r>
+            <a:r>
+              <a:rPr lang="en-IE" sz="1200" b="0" dirty="0">
+                <a:solidFill>
+                  <a:srgbClr val="569CD6"/>
+                </a:solidFill>
+                <a:effectLst/>
+                <a:latin typeface="Consolas" panose="020B0609020204030204" pitchFamily="49" charset="0"/>
+              </a:rPr>
+              <a:t>false</a:t>
             </a:r>
             <a:r>
               <a:rPr lang="en-IE" sz="1200" b="0" dirty="0">
@@ -15370,7 +15491,7 @@
                 <a:effectLst/>
                 <a:latin typeface="Consolas" panose="020B0609020204030204" pitchFamily="49" charset="0"/>
               </a:rPr>
-              <a:t>);</a:t>
+              <a:t>;</a:t>
             </a:r>
           </a:p>
           <a:p>
@@ -15382,184 +15503,10 @@
                 <a:effectLst/>
                 <a:latin typeface="Consolas" panose="020B0609020204030204" pitchFamily="49" charset="0"/>
               </a:rPr>
-              <a:t>            </a:t>
-            </a:r>
-            <a:r>
-              <a:rPr lang="en-IE" sz="1200" b="0" dirty="0">
-                <a:solidFill>
-                  <a:srgbClr val="C586C0"/>
-                </a:solidFill>
-                <a:effectLst/>
-                <a:latin typeface="Consolas" panose="020B0609020204030204" pitchFamily="49" charset="0"/>
-              </a:rPr>
-              <a:t>return</a:t>
-            </a:r>
-            <a:r>
-              <a:rPr lang="en-IE" sz="1200" b="0" dirty="0">
-                <a:solidFill>
-                  <a:srgbClr val="D4D4D4"/>
-                </a:solidFill>
-                <a:effectLst/>
-                <a:latin typeface="Consolas" panose="020B0609020204030204" pitchFamily="49" charset="0"/>
-              </a:rPr>
-              <a:t> </a:t>
-            </a:r>
-            <a:r>
-              <a:rPr lang="en-IE" sz="1200" b="0" dirty="0">
-                <a:solidFill>
-                  <a:srgbClr val="4FC1FF"/>
-                </a:solidFill>
-                <a:effectLst/>
-                <a:latin typeface="Consolas" panose="020B0609020204030204" pitchFamily="49" charset="0"/>
-              </a:rPr>
-              <a:t>result</a:t>
-            </a:r>
-            <a:r>
-              <a:rPr lang="en-IE" sz="1200" b="0" dirty="0">
-                <a:solidFill>
-                  <a:srgbClr val="D4D4D4"/>
-                </a:solidFill>
-                <a:effectLst/>
-                <a:latin typeface="Consolas" panose="020B0609020204030204" pitchFamily="49" charset="0"/>
-              </a:rPr>
-              <a:t>;</a:t>
-            </a:r>
-          </a:p>
-          <a:p>
-            <a:r>
-              <a:rPr lang="en-IE" sz="1200" b="0" dirty="0">
-                <a:solidFill>
-                  <a:srgbClr val="D4D4D4"/>
-                </a:solidFill>
-                <a:effectLst/>
-                <a:latin typeface="Consolas" panose="020B0609020204030204" pitchFamily="49" charset="0"/>
-              </a:rPr>
-              <a:t>        } </a:t>
-            </a:r>
-            <a:r>
-              <a:rPr lang="en-IE" sz="1200" b="0" dirty="0">
-                <a:solidFill>
-                  <a:srgbClr val="C586C0"/>
-                </a:solidFill>
-                <a:effectLst/>
-                <a:latin typeface="Consolas" panose="020B0609020204030204" pitchFamily="49" charset="0"/>
-              </a:rPr>
-              <a:t>catch</a:t>
-            </a:r>
-            <a:r>
-              <a:rPr lang="en-IE" sz="1200" b="0" dirty="0">
-                <a:solidFill>
-                  <a:srgbClr val="D4D4D4"/>
-                </a:solidFill>
-                <a:effectLst/>
-                <a:latin typeface="Consolas" panose="020B0609020204030204" pitchFamily="49" charset="0"/>
-              </a:rPr>
-              <a:t> (</a:t>
-            </a:r>
-            <a:r>
-              <a:rPr lang="en-IE" sz="1200" b="0" dirty="0">
-                <a:solidFill>
-                  <a:srgbClr val="9CDCFE"/>
-                </a:solidFill>
-                <a:effectLst/>
-                <a:latin typeface="Consolas" panose="020B0609020204030204" pitchFamily="49" charset="0"/>
-              </a:rPr>
-              <a:t>error</a:t>
-            </a:r>
-            <a:r>
-              <a:rPr lang="en-IE" sz="1200" b="0" dirty="0">
-                <a:solidFill>
-                  <a:srgbClr val="D4D4D4"/>
-                </a:solidFill>
-                <a:effectLst/>
-                <a:latin typeface="Consolas" panose="020B0609020204030204" pitchFamily="49" charset="0"/>
-              </a:rPr>
-              <a:t>) {</a:t>
-            </a:r>
-          </a:p>
-          <a:p>
-            <a:r>
-              <a:rPr lang="en-IE" sz="1200" b="0" dirty="0">
-                <a:solidFill>
-                  <a:srgbClr val="D4D4D4"/>
-                </a:solidFill>
-                <a:effectLst/>
-                <a:latin typeface="Consolas" panose="020B0609020204030204" pitchFamily="49" charset="0"/>
-              </a:rPr>
-              <a:t>            </a:t>
-            </a:r>
-            <a:r>
-              <a:rPr lang="en-IE" sz="1200" b="0" dirty="0">
-                <a:solidFill>
-                  <a:srgbClr val="C586C0"/>
-                </a:solidFill>
-                <a:effectLst/>
-                <a:latin typeface="Consolas" panose="020B0609020204030204" pitchFamily="49" charset="0"/>
-              </a:rPr>
-              <a:t>return</a:t>
-            </a:r>
-            <a:r>
-              <a:rPr lang="en-IE" sz="1200" b="0" dirty="0">
-                <a:solidFill>
-                  <a:srgbClr val="D4D4D4"/>
-                </a:solidFill>
-                <a:effectLst/>
-                <a:latin typeface="Consolas" panose="020B0609020204030204" pitchFamily="49" charset="0"/>
-              </a:rPr>
-              <a:t> </a:t>
-            </a:r>
-            <a:r>
-              <a:rPr lang="en-IE" sz="1200" b="0" dirty="0">
-                <a:solidFill>
-                  <a:srgbClr val="569CD6"/>
-                </a:solidFill>
-                <a:effectLst/>
-                <a:latin typeface="Consolas" panose="020B0609020204030204" pitchFamily="49" charset="0"/>
-              </a:rPr>
-              <a:t>false</a:t>
-            </a:r>
-            <a:r>
-              <a:rPr lang="en-IE" sz="1200" b="0" dirty="0">
-                <a:solidFill>
-                  <a:srgbClr val="D4D4D4"/>
-                </a:solidFill>
-                <a:effectLst/>
-                <a:latin typeface="Consolas" panose="020B0609020204030204" pitchFamily="49" charset="0"/>
-              </a:rPr>
-              <a:t>;</a:t>
-            </a:r>
-          </a:p>
-          <a:p>
-            <a:r>
-              <a:rPr lang="en-IE" sz="1200" b="0" dirty="0">
-                <a:solidFill>
-                  <a:srgbClr val="D4D4D4"/>
-                </a:solidFill>
-                <a:effectLst/>
-                <a:latin typeface="Consolas" panose="020B0609020204030204" pitchFamily="49" charset="0"/>
-              </a:rPr>
               <a:t>        }</a:t>
             </a:r>
           </a:p>
           <a:p>
-            <a:br>
-              <a:rPr lang="en-IE" sz="1200" b="0" dirty="0">
-                <a:solidFill>
-                  <a:srgbClr val="D4D4D4"/>
-                </a:solidFill>
-                <a:effectLst/>
-                <a:latin typeface="Consolas" panose="020B0609020204030204" pitchFamily="49" charset="0"/>
-              </a:rPr>
-            </a:br>
-            <a:br>
-              <a:rPr lang="en-IE" sz="1200" b="0" dirty="0">
-                <a:solidFill>
-                  <a:srgbClr val="D4D4D4"/>
-                </a:solidFill>
-                <a:effectLst/>
-                <a:latin typeface="Consolas" panose="020B0609020204030204" pitchFamily="49" charset="0"/>
-              </a:rPr>
-            </a:br>
             <a:r>
               <a:rPr lang="en-IE" sz="1200" b="0" dirty="0">
                 <a:solidFill>
@@ -16169,7 +16116,7 @@
         <p:spPr>
           <a:xfrm>
             <a:off x="5047761" y="2078712"/>
-            <a:ext cx="7022318" cy="3077766"/>
+            <a:ext cx="7803076" cy="2800767"/>
           </a:xfrm>
           <a:prstGeom prst="rect">
             <a:avLst/>
@@ -16307,14 +16254,14 @@
               <a:t> </a:t>
             </a:r>
             <a:r>
-              <a:rPr lang="en-IE" sz="1600" b="0" dirty="0" err="1">
+              <a:rPr lang="en-IE" sz="1600" b="0" dirty="0">
                 <a:solidFill>
                   <a:srgbClr val="9CDCFE"/>
                 </a:solidFill>
                 <a:effectLst/>
                 <a:latin typeface="Consolas" panose="020B0609020204030204" pitchFamily="49" charset="0"/>
               </a:rPr>
-              <a:t>SecurityTokenService</a:t>
+              <a:t>Token</a:t>
             </a:r>
             <a:r>
               <a:rPr lang="en-IE" sz="1600" b="0" dirty="0">
@@ -16354,27 +16301,7 @@
                 <a:effectLst/>
                 <a:latin typeface="Consolas" panose="020B0609020204030204" pitchFamily="49" charset="0"/>
               </a:rPr>
-              <a:t>'../</a:t>
-            </a:r>
-            <a:r>
-              <a:rPr lang="en-IE" sz="1600" b="0" dirty="0" err="1">
-                <a:solidFill>
-                  <a:srgbClr val="CE9178"/>
-                </a:solidFill>
-                <a:effectLst/>
-                <a:latin typeface="Consolas" panose="020B0609020204030204" pitchFamily="49" charset="0"/>
-              </a:rPr>
-              <a:t>securityTokenService</a:t>
-            </a:r>
-            <a:r>
-              <a:rPr lang="en-IE" sz="1600" b="0" dirty="0">
-                <a:solidFill>
-                  <a:srgbClr val="CE9178"/>
-                </a:solidFill>
-                <a:effectLst/>
-                <a:latin typeface="Consolas" panose="020B0609020204030204" pitchFamily="49" charset="0"/>
-              </a:rPr>
-              <a:t>'</a:t>
+              <a:t>'./Token'</a:t>
             </a:r>
             <a:r>
               <a:rPr lang="en-IE" sz="1600" b="0" dirty="0">
@@ -16478,14 +16405,138 @@
               <a:t> </a:t>
             </a:r>
             <a:r>
+              <a:rPr lang="en-IE" sz="1600" b="0" dirty="0">
+                <a:solidFill>
+                  <a:srgbClr val="4EC9B0"/>
+                </a:solidFill>
+                <a:effectLst/>
+                <a:latin typeface="Consolas" panose="020B0609020204030204" pitchFamily="49" charset="0"/>
+              </a:rPr>
+              <a:t>Token</a:t>
+            </a:r>
+            <a:r>
+              <a:rPr lang="en-IE" sz="1600" b="0" dirty="0">
+                <a:solidFill>
+                  <a:srgbClr val="D4D4D4"/>
+                </a:solidFill>
+                <a:effectLst/>
+                <a:latin typeface="Consolas" panose="020B0609020204030204" pitchFamily="49" charset="0"/>
+              </a:rPr>
+              <a:t> {</a:t>
+            </a:r>
+          </a:p>
+          <a:p>
+            <a:r>
+              <a:rPr lang="en-IE" sz="1600" b="0" dirty="0">
+                <a:solidFill>
+                  <a:srgbClr val="D4D4D4"/>
+                </a:solidFill>
+                <a:effectLst/>
+                <a:latin typeface="Consolas" panose="020B0609020204030204" pitchFamily="49" charset="0"/>
+              </a:rPr>
+              <a:t>  </a:t>
+            </a:r>
+            <a:r>
+              <a:rPr lang="en-IE" sz="1600" b="0" dirty="0">
+                <a:solidFill>
+                  <a:srgbClr val="DCDCAA"/>
+                </a:solidFill>
+                <a:effectLst/>
+                <a:latin typeface="Consolas" panose="020B0609020204030204" pitchFamily="49" charset="0"/>
+              </a:rPr>
+              <a:t>generate</a:t>
+            </a:r>
+            <a:r>
+              <a:rPr lang="en-IE" sz="1600" b="0" dirty="0">
+                <a:solidFill>
+                  <a:srgbClr val="D4D4D4"/>
+                </a:solidFill>
+                <a:effectLst/>
+                <a:latin typeface="Consolas" panose="020B0609020204030204" pitchFamily="49" charset="0"/>
+              </a:rPr>
+              <a:t>(</a:t>
+            </a:r>
+            <a:r>
+              <a:rPr lang="en-IE" sz="1600" b="0" dirty="0">
+                <a:solidFill>
+                  <a:srgbClr val="9CDCFE"/>
+                </a:solidFill>
+                <a:effectLst/>
+                <a:latin typeface="Consolas" panose="020B0609020204030204" pitchFamily="49" charset="0"/>
+              </a:rPr>
+              <a:t>payload</a:t>
+            </a:r>
+            <a:r>
+              <a:rPr lang="en-IE" sz="1600" b="0" dirty="0">
+                <a:solidFill>
+                  <a:srgbClr val="D4D4D4"/>
+                </a:solidFill>
+                <a:effectLst/>
+                <a:latin typeface="Consolas" panose="020B0609020204030204" pitchFamily="49" charset="0"/>
+              </a:rPr>
+              <a:t>) {</a:t>
+            </a:r>
+          </a:p>
+          <a:p>
+            <a:r>
+              <a:rPr lang="en-IE" sz="1600" b="0" dirty="0">
+                <a:solidFill>
+                  <a:srgbClr val="D4D4D4"/>
+                </a:solidFill>
+                <a:effectLst/>
+                <a:latin typeface="Consolas" panose="020B0609020204030204" pitchFamily="49" charset="0"/>
+              </a:rPr>
+              <a:t>    </a:t>
+            </a:r>
+            <a:r>
+              <a:rPr lang="en-IE" sz="1600" b="0" dirty="0">
+                <a:solidFill>
+                  <a:srgbClr val="C586C0"/>
+                </a:solidFill>
+                <a:effectLst/>
+                <a:latin typeface="Consolas" panose="020B0609020204030204" pitchFamily="49" charset="0"/>
+              </a:rPr>
+              <a:t>return</a:t>
+            </a:r>
+            <a:r>
+              <a:rPr lang="en-IE" sz="1600" b="0" dirty="0">
+                <a:solidFill>
+                  <a:srgbClr val="D4D4D4"/>
+                </a:solidFill>
+                <a:effectLst/>
+                <a:latin typeface="Consolas" panose="020B0609020204030204" pitchFamily="49" charset="0"/>
+              </a:rPr>
+              <a:t> </a:t>
+            </a:r>
+            <a:r>
               <a:rPr lang="en-IE" sz="1600" b="0" dirty="0" err="1">
                 <a:solidFill>
-                  <a:srgbClr val="4EC9B0"/>
-                </a:solidFill>
-                <a:effectLst/>
-                <a:latin typeface="Consolas" panose="020B0609020204030204" pitchFamily="49" charset="0"/>
-              </a:rPr>
-              <a:t>SecurityTokenService</a:t>
+                  <a:srgbClr val="9CDCFE"/>
+                </a:solidFill>
+                <a:effectLst/>
+                <a:latin typeface="Consolas" panose="020B0609020204030204" pitchFamily="49" charset="0"/>
+              </a:rPr>
+              <a:t>jwt</a:t>
+            </a:r>
+            <a:r>
+              <a:rPr lang="en-IE" sz="1600" b="0" dirty="0" err="1">
+                <a:solidFill>
+                  <a:srgbClr val="D4D4D4"/>
+                </a:solidFill>
+                <a:effectLst/>
+                <a:latin typeface="Consolas" panose="020B0609020204030204" pitchFamily="49" charset="0"/>
+              </a:rPr>
+              <a:t>.</a:t>
+            </a:r>
+            <a:r>
+              <a:rPr lang="en-IE" sz="1600" b="0" dirty="0" err="1">
+                <a:solidFill>
+                  <a:srgbClr val="DCDCAA"/>
+                </a:solidFill>
+                <a:effectLst/>
+                <a:latin typeface="Consolas" panose="020B0609020204030204" pitchFamily="49" charset="0"/>
+              </a:rPr>
+              <a:t>sign</a:t>
             </a:r>
             <a:r>
               <a:rPr lang="en-IE" sz="1600" b="0" dirty="0">
@@ -16495,18 +16546,110 @@
                 <a:effectLst/>
                 <a:latin typeface="Consolas" panose="020B0609020204030204" pitchFamily="49" charset="0"/>
               </a:rPr>
-              <a:t> {</a:t>
-            </a:r>
-          </a:p>
-          <a:p>
+              <a:t>(</a:t>
+            </a:r>
             <a:r>
               <a:rPr lang="en-IE" sz="1600" b="0" dirty="0">
                 <a:solidFill>
+                  <a:srgbClr val="9CDCFE"/>
+                </a:solidFill>
+                <a:effectLst/>
+                <a:latin typeface="Consolas" panose="020B0609020204030204" pitchFamily="49" charset="0"/>
+              </a:rPr>
+              <a:t>payload</a:t>
+            </a:r>
+            <a:r>
+              <a:rPr lang="en-IE" sz="1600" b="0" dirty="0">
+                <a:solidFill>
                   <a:srgbClr val="D4D4D4"/>
                 </a:solidFill>
                 <a:effectLst/>
                 <a:latin typeface="Consolas" panose="020B0609020204030204" pitchFamily="49" charset="0"/>
               </a:rPr>
+              <a:t>, </a:t>
+            </a:r>
+            <a:r>
+              <a:rPr lang="en-IE" sz="1600" b="0" dirty="0" err="1">
+                <a:solidFill>
+                  <a:srgbClr val="9CDCFE"/>
+                </a:solidFill>
+                <a:effectLst/>
+                <a:latin typeface="Consolas" panose="020B0609020204030204" pitchFamily="49" charset="0"/>
+              </a:rPr>
+              <a:t>process</a:t>
+            </a:r>
+            <a:r>
+              <a:rPr lang="en-IE" sz="1600" b="0" dirty="0" err="1">
+                <a:solidFill>
+                  <a:srgbClr val="D4D4D4"/>
+                </a:solidFill>
+                <a:effectLst/>
+                <a:latin typeface="Consolas" panose="020B0609020204030204" pitchFamily="49" charset="0"/>
+              </a:rPr>
+              <a:t>.</a:t>
+            </a:r>
+            <a:r>
+              <a:rPr lang="en-IE" sz="1600" b="0" dirty="0" err="1">
+                <a:solidFill>
+                  <a:srgbClr val="9CDCFE"/>
+                </a:solidFill>
+                <a:effectLst/>
+                <a:latin typeface="Consolas" panose="020B0609020204030204" pitchFamily="49" charset="0"/>
+              </a:rPr>
+              <a:t>env</a:t>
+            </a:r>
+            <a:r>
+              <a:rPr lang="en-IE" sz="1600" b="0" dirty="0" err="1">
+                <a:solidFill>
+                  <a:srgbClr val="D4D4D4"/>
+                </a:solidFill>
+                <a:effectLst/>
+                <a:latin typeface="Consolas" panose="020B0609020204030204" pitchFamily="49" charset="0"/>
+              </a:rPr>
+              <a:t>.</a:t>
+            </a:r>
+            <a:r>
+              <a:rPr lang="en-IE" sz="1600" b="0" dirty="0" err="1">
+                <a:solidFill>
+                  <a:srgbClr val="4FC1FF"/>
+                </a:solidFill>
+                <a:effectLst/>
+                <a:latin typeface="Consolas" panose="020B0609020204030204" pitchFamily="49" charset="0"/>
+              </a:rPr>
+              <a:t>JWT_SECRET_KEY</a:t>
+            </a:r>
+            <a:r>
+              <a:rPr lang="en-IE" sz="1600" b="0" dirty="0">
+                <a:solidFill>
+                  <a:srgbClr val="D4D4D4"/>
+                </a:solidFill>
+                <a:effectLst/>
+                <a:latin typeface="Consolas" panose="020B0609020204030204" pitchFamily="49" charset="0"/>
+              </a:rPr>
+              <a:t> );</a:t>
+            </a:r>
+          </a:p>
+          <a:p>
+            <a:r>
+              <a:rPr lang="en-IE" sz="1600" b="0" dirty="0">
+                <a:solidFill>
+                  <a:srgbClr val="D4D4D4"/>
+                </a:solidFill>
+                <a:effectLst/>
+                <a:latin typeface="Consolas" panose="020B0609020204030204" pitchFamily="49" charset="0"/>
+              </a:rPr>
+              <a:t>  }</a:t>
+            </a:r>
+          </a:p>
+          <a:p>
+            <a:r>
+              <a:rPr lang="en-IE" sz="1600" b="0" dirty="0">
+                <a:solidFill>
+                  <a:srgbClr val="D4D4D4"/>
+                </a:solidFill>
+                <a:effectLst/>
+                <a:latin typeface="Consolas" panose="020B0609020204030204" pitchFamily="49" charset="0"/>
+              </a:rPr>
               <a:t>  </a:t>
             </a:r>
             <a:r>
@@ -16517,7 +16660,7 @@
                 <a:effectLst/>
                 <a:latin typeface="Consolas" panose="020B0609020204030204" pitchFamily="49" charset="0"/>
               </a:rPr>
-              <a:t>generate</a:t>
+              <a:t>decode</a:t>
             </a:r>
             <a:r>
               <a:rPr lang="en-IE" sz="1600" b="0" dirty="0">
@@ -16530,15 +16673,27 @@
               <a:t>(</a:t>
             </a:r>
             <a:r>
+              <a:rPr lang="en-IE" sz="1600" b="0" dirty="0" err="1">
+                <a:solidFill>
+                  <a:srgbClr val="9CDCFE"/>
+                </a:solidFill>
+                <a:effectLst/>
+                <a:latin typeface="Consolas" panose="020B0609020204030204" pitchFamily="49" charset="0"/>
+              </a:rPr>
+              <a:t>accessToken</a:t>
+            </a:r>
+            <a:r>
               <a:rPr lang="en-IE" sz="1600" b="0" dirty="0">
                 <a:solidFill>
-                  <a:srgbClr val="9CDCFE"/>
-                </a:solidFill>
-                <a:effectLst/>
-                <a:latin typeface="Consolas" panose="020B0609020204030204" pitchFamily="49" charset="0"/>
-              </a:rPr>
-              <a:t>payload</a:t>
-            </a:r>
+                  <a:srgbClr val="D4D4D4"/>
+                </a:solidFill>
+                <a:effectLst/>
+                <a:latin typeface="Consolas" panose="020B0609020204030204" pitchFamily="49" charset="0"/>
+              </a:rPr>
+              <a:t>) {</a:t>
+            </a:r>
+          </a:p>
+          <a:p>
             <a:r>
               <a:rPr lang="en-IE" sz="1600" b="0" dirty="0">
                 <a:solidFill>
@@ -16547,250 +16702,22 @@
                 <a:effectLst/>
                 <a:latin typeface="Consolas" panose="020B0609020204030204" pitchFamily="49" charset="0"/>
               </a:rPr>
-              <a:t>) {</a:t>
-            </a:r>
-          </a:p>
-          <a:p>
+              <a:t>    </a:t>
+            </a:r>
             <a:r>
               <a:rPr lang="en-IE" sz="1600" b="0" dirty="0">
                 <a:solidFill>
+                  <a:srgbClr val="C586C0"/>
+                </a:solidFill>
+                <a:effectLst/>
+                <a:latin typeface="Consolas" panose="020B0609020204030204" pitchFamily="49" charset="0"/>
+              </a:rPr>
+              <a:t>return</a:t>
+            </a:r>
+            <a:r>
+              <a:rPr lang="en-IE" sz="1600" b="0" dirty="0">
+                <a:solidFill>
                   <a:srgbClr val="D4D4D4"/>
-                </a:solidFill>
-                <a:effectLst/>
-                <a:latin typeface="Consolas" panose="020B0609020204030204" pitchFamily="49" charset="0"/>
-              </a:rPr>
-              <a:t>    </a:t>
-            </a:r>
-            <a:r>
-              <a:rPr lang="en-IE" sz="1600" b="0" dirty="0">
-                <a:solidFill>
-                  <a:srgbClr val="C586C0"/>
-                </a:solidFill>
-                <a:effectLst/>
-                <a:latin typeface="Consolas" panose="020B0609020204030204" pitchFamily="49" charset="0"/>
-              </a:rPr>
-              <a:t>return</a:t>
-            </a:r>
-            <a:r>
-              <a:rPr lang="en-IE" sz="1600" b="0" dirty="0">
-                <a:solidFill>
-                  <a:srgbClr val="9CDCFE"/>
-                </a:solidFill>
-                <a:effectLst/>
-                <a:latin typeface="Consolas" panose="020B0609020204030204" pitchFamily="49" charset="0"/>
-              </a:rPr>
-              <a:t> </a:t>
-            </a:r>
-            <a:r>
-              <a:rPr lang="en-IE" sz="1600" b="0" dirty="0" err="1">
-                <a:solidFill>
-                  <a:srgbClr val="9CDCFE"/>
-                </a:solidFill>
-                <a:effectLst/>
-                <a:latin typeface="Consolas" panose="020B0609020204030204" pitchFamily="49" charset="0"/>
-              </a:rPr>
-              <a:t>jwt</a:t>
-            </a:r>
-            <a:r>
-              <a:rPr lang="en-IE" sz="1600" b="0" dirty="0" err="1">
-                <a:solidFill>
-                  <a:srgbClr val="D4D4D4"/>
-                </a:solidFill>
-                <a:effectLst/>
-                <a:latin typeface="Consolas" panose="020B0609020204030204" pitchFamily="49" charset="0"/>
-              </a:rPr>
-              <a:t>.</a:t>
-            </a:r>
-            <a:r>
-              <a:rPr lang="en-IE" sz="1600" b="0" dirty="0" err="1">
-                <a:solidFill>
-                  <a:srgbClr val="DCDCAA"/>
-                </a:solidFill>
-                <a:effectLst/>
-                <a:latin typeface="Consolas" panose="020B0609020204030204" pitchFamily="49" charset="0"/>
-              </a:rPr>
-              <a:t>sign</a:t>
-            </a:r>
-            <a:r>
-              <a:rPr lang="en-IE" sz="1600" b="0" dirty="0">
-                <a:solidFill>
-                  <a:srgbClr val="D4D4D4"/>
-                </a:solidFill>
-                <a:effectLst/>
-                <a:latin typeface="Consolas" panose="020B0609020204030204" pitchFamily="49" charset="0"/>
-              </a:rPr>
-              <a:t>(</a:t>
-            </a:r>
-            <a:r>
-              <a:rPr lang="en-IE" sz="1600" b="0" dirty="0">
-                <a:solidFill>
-                  <a:srgbClr val="9CDCFE"/>
-                </a:solidFill>
-                <a:effectLst/>
-                <a:latin typeface="Consolas" panose="020B0609020204030204" pitchFamily="49" charset="0"/>
-              </a:rPr>
-              <a:t>payload</a:t>
-            </a:r>
-            <a:r>
-              <a:rPr lang="en-IE" sz="1600" b="0" dirty="0">
-                <a:solidFill>
-                  <a:srgbClr val="D4D4D4"/>
-                </a:solidFill>
-                <a:effectLst/>
-                <a:latin typeface="Consolas" panose="020B0609020204030204" pitchFamily="49" charset="0"/>
-              </a:rPr>
-              <a:t>, </a:t>
-            </a:r>
-            <a:r>
-              <a:rPr lang="en-IE" sz="1600" b="0" dirty="0" err="1">
-                <a:solidFill>
-                  <a:srgbClr val="9CDCFE"/>
-                </a:solidFill>
-                <a:effectLst/>
-                <a:latin typeface="Consolas" panose="020B0609020204030204" pitchFamily="49" charset="0"/>
-              </a:rPr>
-              <a:t>process</a:t>
-            </a:r>
-            <a:r>
-              <a:rPr lang="en-IE" sz="1600" b="0" dirty="0" err="1">
-                <a:solidFill>
-                  <a:srgbClr val="D4D4D4"/>
-                </a:solidFill>
-                <a:effectLst/>
-                <a:latin typeface="Consolas" panose="020B0609020204030204" pitchFamily="49" charset="0"/>
-              </a:rPr>
-              <a:t>.</a:t>
-            </a:r>
-            <a:r>
-              <a:rPr lang="en-IE" sz="1600" b="0" dirty="0" err="1">
-                <a:solidFill>
-                  <a:srgbClr val="9CDCFE"/>
-                </a:solidFill>
-                <a:effectLst/>
-                <a:latin typeface="Consolas" panose="020B0609020204030204" pitchFamily="49" charset="0"/>
-              </a:rPr>
-              <a:t>env</a:t>
-            </a:r>
-            <a:r>
-              <a:rPr lang="en-IE" sz="1600" b="0" dirty="0" err="1">
-                <a:solidFill>
-                  <a:srgbClr val="D4D4D4"/>
-                </a:solidFill>
-                <a:effectLst/>
-                <a:latin typeface="Consolas" panose="020B0609020204030204" pitchFamily="49" charset="0"/>
-              </a:rPr>
-              <a:t>.</a:t>
-            </a:r>
-            <a:r>
-              <a:rPr lang="en-IE" sz="1600" b="0" dirty="0" err="1">
-                <a:solidFill>
-                  <a:srgbClr val="4FC1FF"/>
-                </a:solidFill>
-                <a:effectLst/>
-                <a:latin typeface="Consolas" panose="020B0609020204030204" pitchFamily="49" charset="0"/>
-              </a:rPr>
-              <a:t>JWT_SECRET_KEY</a:t>
-            </a:r>
-            <a:r>
-              <a:rPr lang="en-IE" sz="1600" b="0" dirty="0">
-                <a:solidFill>
-                  <a:srgbClr val="D4D4D4"/>
-                </a:solidFill>
-                <a:effectLst/>
-                <a:latin typeface="Consolas" panose="020B0609020204030204" pitchFamily="49" charset="0"/>
-              </a:rPr>
-              <a:t> );</a:t>
-            </a:r>
-          </a:p>
-          <a:p>
-            <a:r>
-              <a:rPr lang="en-IE" sz="1600" b="0" dirty="0">
-                <a:solidFill>
-                  <a:srgbClr val="D4D4D4"/>
-                </a:solidFill>
-                <a:effectLst/>
-                <a:latin typeface="Consolas" panose="020B0609020204030204" pitchFamily="49" charset="0"/>
-              </a:rPr>
-              <a:t>  }</a:t>
-            </a:r>
-          </a:p>
-          <a:p>
-            <a:r>
-              <a:rPr lang="en-IE" sz="1600" b="0" dirty="0">
-                <a:solidFill>
-                  <a:srgbClr val="D4D4D4"/>
-                </a:solidFill>
-                <a:effectLst/>
-                <a:latin typeface="Consolas" panose="020B0609020204030204" pitchFamily="49" charset="0"/>
-              </a:rPr>
-              <a:t>  </a:t>
-            </a:r>
-            <a:r>
-              <a:rPr lang="en-IE" sz="1600" b="0" dirty="0">
-                <a:solidFill>
-                  <a:srgbClr val="DCDCAA"/>
-                </a:solidFill>
-                <a:effectLst/>
-                <a:latin typeface="Consolas" panose="020B0609020204030204" pitchFamily="49" charset="0"/>
-              </a:rPr>
-              <a:t>decode</a:t>
-            </a:r>
-            <a:r>
-              <a:rPr lang="en-IE" sz="1600" b="0" dirty="0">
-                <a:solidFill>
-                  <a:srgbClr val="D4D4D4"/>
-                </a:solidFill>
-                <a:effectLst/>
-                <a:latin typeface="Consolas" panose="020B0609020204030204" pitchFamily="49" charset="0"/>
-              </a:rPr>
-              <a:t>(</a:t>
-            </a:r>
-            <a:r>
-              <a:rPr lang="en-IE" sz="1600" b="0" dirty="0" err="1">
-                <a:solidFill>
-                  <a:srgbClr val="9CDCFE"/>
-                </a:solidFill>
-                <a:effectLst/>
-                <a:latin typeface="Consolas" panose="020B0609020204030204" pitchFamily="49" charset="0"/>
-              </a:rPr>
-              <a:t>accessToken</a:t>
-            </a:r>
-            <a:r>
-              <a:rPr lang="en-IE" sz="1600" b="0" dirty="0">
-                <a:solidFill>
-                  <a:srgbClr val="D4D4D4"/>
-                </a:solidFill>
-                <a:effectLst/>
-                <a:latin typeface="Consolas" panose="020B0609020204030204" pitchFamily="49" charset="0"/>
-              </a:rPr>
-              <a:t>) {</a:t>
-            </a:r>
-          </a:p>
-          <a:p>
-            <a:r>
-              <a:rPr lang="en-IE" sz="1600" b="0" dirty="0">
-                <a:solidFill>
-                  <a:srgbClr val="D4D4D4"/>
-                </a:solidFill>
-                <a:effectLst/>
-                <a:latin typeface="Consolas" panose="020B0609020204030204" pitchFamily="49" charset="0"/>
-              </a:rPr>
-              <a:t>    </a:t>
-            </a:r>
-            <a:r>
-              <a:rPr lang="en-IE" sz="1600" b="0" dirty="0">
-                <a:solidFill>
-                  <a:srgbClr val="C586C0"/>
-                </a:solidFill>
-                <a:effectLst/>
-                <a:latin typeface="Consolas" panose="020B0609020204030204" pitchFamily="49" charset="0"/>
-              </a:rPr>
-              <a:t>return</a:t>
-            </a:r>
-            <a:r>
-              <a:rPr lang="en-IE" sz="1600" b="0" dirty="0">
-                <a:solidFill>
-                  <a:srgbClr val="9CDCFE"/>
                 </a:solidFill>
                 <a:effectLst/>
                 <a:latin typeface="Consolas" panose="020B0609020204030204" pitchFamily="49" charset="0"/>
@@ -17055,6 +16982,36 @@
           <a:chExt cx="0" cy="0"/>
         </a:xfrm>
       </p:grpSpPr>
+      <p:pic>
+        <p:nvPicPr>
+          <p:cNvPr id="5" name="Picture 4">
+            <a:extLst>
+              <a:ext uri="{FF2B5EF4-FFF2-40B4-BE49-F238E27FC236}">
+                <a16:creationId xmlns:a16="http://schemas.microsoft.com/office/drawing/2014/main" id="{44F4530E-B25B-45B7-6AFF-E8226A4B7CB5}"/>
+              </a:ext>
+            </a:extLst>
+          </p:cNvPr>
+          <p:cNvPicPr>
+            <a:picLocks noChangeAspect="1"/>
+          </p:cNvPicPr>
+          <p:nvPr/>
+        </p:nvPicPr>
+        <p:blipFill>
+          <a:blip r:embed="rId2"/>
+          <a:stretch>
+            <a:fillRect/>
+          </a:stretch>
+        </p:blipFill>
+        <p:spPr>
+          <a:xfrm>
+            <a:off x="1135681" y="3119366"/>
+            <a:ext cx="6190704" cy="2367034"/>
+          </a:xfrm>
+          <a:prstGeom prst="rect">
+            <a:avLst/>
+          </a:prstGeom>
+        </p:spPr>
+      </p:pic>
       <p:sp>
         <p:nvSpPr>
           <p:cNvPr id="2" name="Title 1">
@@ -17173,36 +17130,6 @@
           </a:p>
         </p:txBody>
       </p:sp>
-      <p:pic>
-        <p:nvPicPr>
-          <p:cNvPr id="8" name="Picture 7">
-            <a:extLst>
-              <a:ext uri="{FF2B5EF4-FFF2-40B4-BE49-F238E27FC236}">
-                <a16:creationId xmlns:a16="http://schemas.microsoft.com/office/drawing/2014/main" id="{95C0DC77-BBB6-4A74-AB60-41F5C1626F33}"/>
-              </a:ext>
-            </a:extLst>
-          </p:cNvPr>
-          <p:cNvPicPr>
-            <a:picLocks noChangeAspect="1"/>
-          </p:cNvPicPr>
-          <p:nvPr/>
-        </p:nvPicPr>
-        <p:blipFill>
-          <a:blip r:embed="rId2"/>
-          <a:stretch>
-            <a:fillRect/>
-          </a:stretch>
-        </p:blipFill>
-        <p:spPr>
-          <a:xfrm>
-            <a:off x="1032539" y="3215452"/>
-            <a:ext cx="6145071" cy="2119693"/>
-          </a:xfrm>
-          <a:prstGeom prst="rect">
-            <a:avLst/>
-          </a:prstGeom>
-        </p:spPr>
-      </p:pic>
     </p:spTree>
     <p:extLst>
       <p:ext uri="{BB962C8B-B14F-4D97-AF65-F5344CB8AC3E}">
@@ -20546,22 +20473,13 @@
           </a:p>
           <a:p>
             <a:r>
-              <a:rPr lang="en-US" sz="1900" dirty="0" err="1">
+              <a:rPr lang="en-US" sz="1900" dirty="0">
                 <a:solidFill>
                   <a:schemeClr val="bg1"/>
                 </a:solidFill>
                 <a:cs typeface="Calibri"/>
               </a:rPr>
-              <a:t>VerifyToken</a:t>
-            </a:r>
-            <a:r>
-              <a:rPr lang="en-US" sz="1900" dirty="0">
-                <a:solidFill>
-                  <a:schemeClr val="bg1"/>
-                </a:solidFill>
-                <a:cs typeface="Calibri"/>
-              </a:rPr>
-              <a:t> controller: Extracts token from request header and sends to service</a:t>
+              <a:t>Verify controller: Extracts token from request header and sends to service</a:t>
             </a:r>
           </a:p>
           <a:p>
@@ -20672,14 +20590,14 @@
               <a:t> </a:t>
             </a:r>
             <a:r>
-              <a:rPr lang="en-IE" sz="1200" b="0" dirty="0" err="1">
+              <a:rPr lang="en-IE" sz="1200" b="0" dirty="0">
                 <a:solidFill>
                   <a:srgbClr val="DCDCAA"/>
                 </a:solidFill>
                 <a:effectLst/>
                 <a:latin typeface="Consolas" panose="020B0609020204030204" pitchFamily="49" charset="0"/>
               </a:rPr>
-              <a:t>verifyToken</a:t>
+              <a:t>verify</a:t>
             </a:r>
             <a:r>
               <a:rPr lang="en-IE" sz="1200" b="0" dirty="0">
@@ -27119,6 +27037,15 @@
                 <a:cs typeface="Calibri Light"/>
               </a:rPr>
               <a:t>MovieDB</a:t>
+            </a:r>
+            <a:r>
+              <a:rPr lang="en-US" sz="4100" dirty="0">
+                <a:solidFill>
+                  <a:srgbClr val="FFFFFF"/>
+                </a:solidFill>
+                <a:cs typeface="Calibri Light"/>
+              </a:rPr>
+              <a:t> API</a:t>
             </a:r>
             <a:endParaRPr lang="en-US" sz="4100" dirty="0">
               <a:solidFill>
